--- a/FinalPresentation.pptx
+++ b/FinalPresentation.pptx
@@ -5,24 +5,29 @@
     <p:sldMasterId id="2147483657" r:id="rId1"/>
   </p:sldMasterIdLst>
   <p:notesMasterIdLst>
-    <p:notesMasterId r:id="rId7"/>
+    <p:notesMasterId r:id="rId12"/>
   </p:notesMasterIdLst>
   <p:sldIdLst>
     <p:sldId id="256" r:id="rId2"/>
     <p:sldId id="261" r:id="rId3"/>
-    <p:sldId id="263" r:id="rId4"/>
-    <p:sldId id="265" r:id="rId5"/>
-    <p:sldId id="272" r:id="rId6"/>
+    <p:sldId id="289" r:id="rId4"/>
+    <p:sldId id="280" r:id="rId5"/>
+    <p:sldId id="281" r:id="rId6"/>
+    <p:sldId id="282" r:id="rId7"/>
+    <p:sldId id="283" r:id="rId8"/>
+    <p:sldId id="290" r:id="rId9"/>
+    <p:sldId id="287" r:id="rId10"/>
+    <p:sldId id="288" r:id="rId11"/>
   </p:sldIdLst>
   <p:sldSz cx="9144000" cy="6858000" type="screen4x3"/>
   <p:notesSz cx="6858000" cy="9144000"/>
   <p:embeddedFontLst>
     <p:embeddedFont>
-      <p:font typeface="Cousine" panose="02070409020205020404" pitchFamily="49" charset="0"/>
-      <p:regular r:id="rId8"/>
-      <p:bold r:id="rId9"/>
-      <p:italic r:id="rId10"/>
-      <p:boldItalic r:id="rId11"/>
+      <p:font typeface="Cousine" panose="020B0604020202020204" charset="0"/>
+      <p:regular r:id="rId13"/>
+      <p:bold r:id="rId14"/>
+      <p:italic r:id="rId15"/>
+      <p:boldItalic r:id="rId16"/>
     </p:embeddedFont>
   </p:embeddedFontLst>
   <p:defaultTextStyle>
@@ -254,6 +259,11 @@
       </a:defRPr>
     </a:lvl9pPr>
   </p:defaultTextStyle>
+  <p:extLst>
+    <p:ext uri="{EFAFB233-063F-42B5-8137-9DF3F51BA10A}">
+      <p15:sldGuideLst xmlns:p15="http://schemas.microsoft.com/office/powerpoint/2012/main"/>
+    </p:ext>
+  </p:extLst>
 </p:presentation>
 </file>
 
@@ -904,7 +914,7 @@
               </a:spcAft>
               <a:buNone/>
             </a:pPr>
-            <a:endParaRPr/>
+            <a:endParaRPr dirty="0"/>
           </a:p>
         </p:txBody>
       </p:sp>
@@ -921,7 +931,7 @@
   <p:cSld>
     <p:spTree>
       <p:nvGrpSpPr>
-        <p:cNvPr id="1" name="Shape 130"/>
+        <p:cNvPr id="1" name="Shape 105"/>
         <p:cNvGrpSpPr/>
         <p:nvPr/>
       </p:nvGrpSpPr>
@@ -935,7 +945,7 @@
       </p:grpSpPr>
       <p:sp>
         <p:nvSpPr>
-          <p:cNvPr id="131" name="Google Shape;131;g35f391192_017:notes"/>
+          <p:cNvPr id="106" name="Google Shape;106;p:notes"/>
           <p:cNvSpPr>
             <a:spLocks noGrp="1" noRot="1" noChangeAspect="1"/>
           </p:cNvSpPr>
@@ -976,7 +986,7 @@
       </p:sp>
       <p:sp>
         <p:nvSpPr>
-          <p:cNvPr id="132" name="Google Shape;132;g35f391192_017:notes"/>
+          <p:cNvPr id="107" name="Google Shape;107;p:notes"/>
           <p:cNvSpPr txBox="1">
             <a:spLocks noGrp="1"/>
           </p:cNvSpPr>
@@ -1013,6 +1023,11 @@
         </p:txBody>
       </p:sp>
     </p:spTree>
+    <p:extLst>
+      <p:ext uri="{BB962C8B-B14F-4D97-AF65-F5344CB8AC3E}">
+        <p14:creationId xmlns:p14="http://schemas.microsoft.com/office/powerpoint/2010/main" val="1187804234"/>
+      </p:ext>
+    </p:extLst>
   </p:cSld>
   <p:clrMapOvr>
     <a:masterClrMapping/>
@@ -1025,7 +1040,7 @@
   <p:cSld>
     <p:spTree>
       <p:nvGrpSpPr>
-        <p:cNvPr id="1" name="Shape 147"/>
+        <p:cNvPr id="1" name="Shape 105"/>
         <p:cNvGrpSpPr/>
         <p:nvPr/>
       </p:nvGrpSpPr>
@@ -1039,7 +1054,7 @@
       </p:grpSpPr>
       <p:sp>
         <p:nvSpPr>
-          <p:cNvPr id="148" name="Google Shape;148;g35f391192_057:notes"/>
+          <p:cNvPr id="106" name="Google Shape;106;p:notes"/>
           <p:cNvSpPr>
             <a:spLocks noGrp="1" noRot="1" noChangeAspect="1"/>
           </p:cNvSpPr>
@@ -1080,7 +1095,7 @@
       </p:sp>
       <p:sp>
         <p:nvSpPr>
-          <p:cNvPr id="149" name="Google Shape;149;g35f391192_057:notes"/>
+          <p:cNvPr id="107" name="Google Shape;107;p:notes"/>
           <p:cNvSpPr txBox="1">
             <a:spLocks noGrp="1"/>
           </p:cNvSpPr>
@@ -1112,11 +1127,16 @@
               </a:spcAft>
               <a:buNone/>
             </a:pPr>
-            <a:endParaRPr/>
+            <a:endParaRPr dirty="0"/>
           </a:p>
         </p:txBody>
       </p:sp>
     </p:spTree>
+    <p:extLst>
+      <p:ext uri="{BB962C8B-B14F-4D97-AF65-F5344CB8AC3E}">
+        <p14:creationId xmlns:p14="http://schemas.microsoft.com/office/powerpoint/2010/main" val="1746430837"/>
+      </p:ext>
+    </p:extLst>
   </p:cSld>
   <p:clrMapOvr>
     <a:masterClrMapping/>
@@ -1129,7 +1149,7 @@
   <p:cSld>
     <p:spTree>
       <p:nvGrpSpPr>
-        <p:cNvPr id="1" name="Shape 253"/>
+        <p:cNvPr id="1" name="Shape 105"/>
         <p:cNvGrpSpPr/>
         <p:nvPr/>
       </p:nvGrpSpPr>
@@ -1143,7 +1163,7 @@
       </p:grpSpPr>
       <p:sp>
         <p:nvSpPr>
-          <p:cNvPr id="254" name="Google Shape;254;g35ed75ccf_044:notes"/>
+          <p:cNvPr id="106" name="Google Shape;106;p:notes"/>
           <p:cNvSpPr>
             <a:spLocks noGrp="1" noRot="1" noChangeAspect="1"/>
           </p:cNvSpPr>
@@ -1184,7 +1204,7 @@
       </p:sp>
       <p:sp>
         <p:nvSpPr>
-          <p:cNvPr id="255" name="Google Shape;255;g35ed75ccf_044:notes"/>
+          <p:cNvPr id="107" name="Google Shape;107;p:notes"/>
           <p:cNvSpPr txBox="1">
             <a:spLocks noGrp="1"/>
           </p:cNvSpPr>
@@ -1221,6 +1241,447 @@
         </p:txBody>
       </p:sp>
     </p:spTree>
+    <p:extLst>
+      <p:ext uri="{BB962C8B-B14F-4D97-AF65-F5344CB8AC3E}">
+        <p14:creationId xmlns:p14="http://schemas.microsoft.com/office/powerpoint/2010/main" val="3817342327"/>
+      </p:ext>
+    </p:extLst>
+  </p:cSld>
+  <p:clrMapOvr>
+    <a:masterClrMapping/>
+  </p:clrMapOvr>
+</p:notes>
+</file>
+
+<file path=ppt/notesSlides/notesSlide6.xml><?xml version="1.0" encoding="utf-8"?>
+<p:notes xmlns:a="http://schemas.openxmlformats.org/drawingml/2006/main" xmlns:r="http://schemas.openxmlformats.org/officeDocument/2006/relationships" xmlns:p="http://schemas.openxmlformats.org/presentationml/2006/main" showMasterSp="0" showMasterPhAnim="0">
+  <p:cSld>
+    <p:spTree>
+      <p:nvGrpSpPr>
+        <p:cNvPr id="1" name="Shape 105"/>
+        <p:cNvGrpSpPr/>
+        <p:nvPr/>
+      </p:nvGrpSpPr>
+      <p:grpSpPr>
+        <a:xfrm>
+          <a:off x="0" y="0"/>
+          <a:ext cx="0" cy="0"/>
+          <a:chOff x="0" y="0"/>
+          <a:chExt cx="0" cy="0"/>
+        </a:xfrm>
+      </p:grpSpPr>
+      <p:sp>
+        <p:nvSpPr>
+          <p:cNvPr id="106" name="Google Shape;106;p:notes"/>
+          <p:cNvSpPr>
+            <a:spLocks noGrp="1" noRot="1" noChangeAspect="1"/>
+          </p:cNvSpPr>
+          <p:nvPr>
+            <p:ph type="sldImg" idx="2"/>
+          </p:nvPr>
+        </p:nvSpPr>
+        <p:spPr>
+          <a:xfrm>
+            <a:off x="1143000" y="685800"/>
+            <a:ext cx="4572000" cy="3429000"/>
+          </a:xfrm>
+          <a:custGeom>
+            <a:avLst/>
+            <a:gdLst/>
+            <a:ahLst/>
+            <a:cxnLst/>
+            <a:rect l="l" t="t" r="r" b="b"/>
+            <a:pathLst>
+              <a:path w="120000" h="120000" extrusionOk="0">
+                <a:moveTo>
+                  <a:pt x="0" y="0"/>
+                </a:moveTo>
+                <a:lnTo>
+                  <a:pt x="120000" y="0"/>
+                </a:lnTo>
+                <a:lnTo>
+                  <a:pt x="120000" y="120000"/>
+                </a:lnTo>
+                <a:lnTo>
+                  <a:pt x="0" y="120000"/>
+                </a:lnTo>
+                <a:close/>
+              </a:path>
+            </a:pathLst>
+          </a:custGeom>
+        </p:spPr>
+      </p:sp>
+      <p:sp>
+        <p:nvSpPr>
+          <p:cNvPr id="107" name="Google Shape;107;p:notes"/>
+          <p:cNvSpPr txBox="1">
+            <a:spLocks noGrp="1"/>
+          </p:cNvSpPr>
+          <p:nvPr>
+            <p:ph type="body" idx="1"/>
+          </p:nvPr>
+        </p:nvSpPr>
+        <p:spPr>
+          <a:xfrm>
+            <a:off x="685800" y="4343400"/>
+            <a:ext cx="5486400" cy="4114800"/>
+          </a:xfrm>
+          <a:prstGeom prst="rect">
+            <a:avLst/>
+          </a:prstGeom>
+        </p:spPr>
+        <p:txBody>
+          <a:bodyPr spcFirstLastPara="1" wrap="square" lIns="91425" tIns="91425" rIns="91425" bIns="91425" anchor="t" anchorCtr="0">
+            <a:noAutofit/>
+          </a:bodyPr>
+          <a:lstStyle/>
+          <a:p>
+            <a:pPr marL="0" lvl="0" indent="0" algn="l" rtl="0">
+              <a:spcBef>
+                <a:spcPts val="0"/>
+              </a:spcBef>
+              <a:spcAft>
+                <a:spcPts val="0"/>
+              </a:spcAft>
+              <a:buNone/>
+            </a:pPr>
+            <a:endParaRPr/>
+          </a:p>
+        </p:txBody>
+      </p:sp>
+    </p:spTree>
+    <p:extLst>
+      <p:ext uri="{BB962C8B-B14F-4D97-AF65-F5344CB8AC3E}">
+        <p14:creationId xmlns:p14="http://schemas.microsoft.com/office/powerpoint/2010/main" val="4096719086"/>
+      </p:ext>
+    </p:extLst>
+  </p:cSld>
+  <p:clrMapOvr>
+    <a:masterClrMapping/>
+  </p:clrMapOvr>
+</p:notes>
+</file>
+
+<file path=ppt/notesSlides/notesSlide7.xml><?xml version="1.0" encoding="utf-8"?>
+<p:notes xmlns:a="http://schemas.openxmlformats.org/drawingml/2006/main" xmlns:r="http://schemas.openxmlformats.org/officeDocument/2006/relationships" xmlns:p="http://schemas.openxmlformats.org/presentationml/2006/main" showMasterSp="0" showMasterPhAnim="0">
+  <p:cSld>
+    <p:spTree>
+      <p:nvGrpSpPr>
+        <p:cNvPr id="1" name="Shape 105"/>
+        <p:cNvGrpSpPr/>
+        <p:nvPr/>
+      </p:nvGrpSpPr>
+      <p:grpSpPr>
+        <a:xfrm>
+          <a:off x="0" y="0"/>
+          <a:ext cx="0" cy="0"/>
+          <a:chOff x="0" y="0"/>
+          <a:chExt cx="0" cy="0"/>
+        </a:xfrm>
+      </p:grpSpPr>
+      <p:sp>
+        <p:nvSpPr>
+          <p:cNvPr id="106" name="Google Shape;106;p:notes"/>
+          <p:cNvSpPr>
+            <a:spLocks noGrp="1" noRot="1" noChangeAspect="1"/>
+          </p:cNvSpPr>
+          <p:nvPr>
+            <p:ph type="sldImg" idx="2"/>
+          </p:nvPr>
+        </p:nvSpPr>
+        <p:spPr>
+          <a:xfrm>
+            <a:off x="1143000" y="685800"/>
+            <a:ext cx="4572000" cy="3429000"/>
+          </a:xfrm>
+          <a:custGeom>
+            <a:avLst/>
+            <a:gdLst/>
+            <a:ahLst/>
+            <a:cxnLst/>
+            <a:rect l="l" t="t" r="r" b="b"/>
+            <a:pathLst>
+              <a:path w="120000" h="120000" extrusionOk="0">
+                <a:moveTo>
+                  <a:pt x="0" y="0"/>
+                </a:moveTo>
+                <a:lnTo>
+                  <a:pt x="120000" y="0"/>
+                </a:lnTo>
+                <a:lnTo>
+                  <a:pt x="120000" y="120000"/>
+                </a:lnTo>
+                <a:lnTo>
+                  <a:pt x="0" y="120000"/>
+                </a:lnTo>
+                <a:close/>
+              </a:path>
+            </a:pathLst>
+          </a:custGeom>
+        </p:spPr>
+      </p:sp>
+      <p:sp>
+        <p:nvSpPr>
+          <p:cNvPr id="107" name="Google Shape;107;p:notes"/>
+          <p:cNvSpPr txBox="1">
+            <a:spLocks noGrp="1"/>
+          </p:cNvSpPr>
+          <p:nvPr>
+            <p:ph type="body" idx="1"/>
+          </p:nvPr>
+        </p:nvSpPr>
+        <p:spPr>
+          <a:xfrm>
+            <a:off x="685800" y="4343400"/>
+            <a:ext cx="5486400" cy="4114800"/>
+          </a:xfrm>
+          <a:prstGeom prst="rect">
+            <a:avLst/>
+          </a:prstGeom>
+        </p:spPr>
+        <p:txBody>
+          <a:bodyPr spcFirstLastPara="1" wrap="square" lIns="91425" tIns="91425" rIns="91425" bIns="91425" anchor="t" anchorCtr="0">
+            <a:noAutofit/>
+          </a:bodyPr>
+          <a:lstStyle/>
+          <a:p>
+            <a:pPr marL="0" lvl="0" indent="0" algn="l" rtl="0">
+              <a:spcBef>
+                <a:spcPts val="0"/>
+              </a:spcBef>
+              <a:spcAft>
+                <a:spcPts val="0"/>
+              </a:spcAft>
+              <a:buNone/>
+            </a:pPr>
+            <a:endParaRPr/>
+          </a:p>
+        </p:txBody>
+      </p:sp>
+    </p:spTree>
+    <p:extLst>
+      <p:ext uri="{BB962C8B-B14F-4D97-AF65-F5344CB8AC3E}">
+        <p14:creationId xmlns:p14="http://schemas.microsoft.com/office/powerpoint/2010/main" val="2959087916"/>
+      </p:ext>
+    </p:extLst>
+  </p:cSld>
+  <p:clrMapOvr>
+    <a:masterClrMapping/>
+  </p:clrMapOvr>
+</p:notes>
+</file>
+
+<file path=ppt/notesSlides/notesSlide8.xml><?xml version="1.0" encoding="utf-8"?>
+<p:notes xmlns:a="http://schemas.openxmlformats.org/drawingml/2006/main" xmlns:r="http://schemas.openxmlformats.org/officeDocument/2006/relationships" xmlns:p="http://schemas.openxmlformats.org/presentationml/2006/main" showMasterSp="0" showMasterPhAnim="0">
+  <p:cSld>
+    <p:spTree>
+      <p:nvGrpSpPr>
+        <p:cNvPr id="1" name="Shape 105"/>
+        <p:cNvGrpSpPr/>
+        <p:nvPr/>
+      </p:nvGrpSpPr>
+      <p:grpSpPr>
+        <a:xfrm>
+          <a:off x="0" y="0"/>
+          <a:ext cx="0" cy="0"/>
+          <a:chOff x="0" y="0"/>
+          <a:chExt cx="0" cy="0"/>
+        </a:xfrm>
+      </p:grpSpPr>
+      <p:sp>
+        <p:nvSpPr>
+          <p:cNvPr id="106" name="Google Shape;106;p:notes"/>
+          <p:cNvSpPr>
+            <a:spLocks noGrp="1" noRot="1" noChangeAspect="1"/>
+          </p:cNvSpPr>
+          <p:nvPr>
+            <p:ph type="sldImg" idx="2"/>
+          </p:nvPr>
+        </p:nvSpPr>
+        <p:spPr>
+          <a:xfrm>
+            <a:off x="1143000" y="685800"/>
+            <a:ext cx="4572000" cy="3429000"/>
+          </a:xfrm>
+          <a:custGeom>
+            <a:avLst/>
+            <a:gdLst/>
+            <a:ahLst/>
+            <a:cxnLst/>
+            <a:rect l="l" t="t" r="r" b="b"/>
+            <a:pathLst>
+              <a:path w="120000" h="120000" extrusionOk="0">
+                <a:moveTo>
+                  <a:pt x="0" y="0"/>
+                </a:moveTo>
+                <a:lnTo>
+                  <a:pt x="120000" y="0"/>
+                </a:lnTo>
+                <a:lnTo>
+                  <a:pt x="120000" y="120000"/>
+                </a:lnTo>
+                <a:lnTo>
+                  <a:pt x="0" y="120000"/>
+                </a:lnTo>
+                <a:close/>
+              </a:path>
+            </a:pathLst>
+          </a:custGeom>
+        </p:spPr>
+      </p:sp>
+      <p:sp>
+        <p:nvSpPr>
+          <p:cNvPr id="107" name="Google Shape;107;p:notes"/>
+          <p:cNvSpPr txBox="1">
+            <a:spLocks noGrp="1"/>
+          </p:cNvSpPr>
+          <p:nvPr>
+            <p:ph type="body" idx="1"/>
+          </p:nvPr>
+        </p:nvSpPr>
+        <p:spPr>
+          <a:xfrm>
+            <a:off x="685800" y="4343400"/>
+            <a:ext cx="5486400" cy="4114800"/>
+          </a:xfrm>
+          <a:prstGeom prst="rect">
+            <a:avLst/>
+          </a:prstGeom>
+        </p:spPr>
+        <p:txBody>
+          <a:bodyPr spcFirstLastPara="1" wrap="square" lIns="91425" tIns="91425" rIns="91425" bIns="91425" anchor="t" anchorCtr="0">
+            <a:noAutofit/>
+          </a:bodyPr>
+          <a:lstStyle/>
+          <a:p>
+            <a:pPr marL="0" lvl="0" indent="0" algn="l" rtl="0">
+              <a:spcBef>
+                <a:spcPts val="0"/>
+              </a:spcBef>
+              <a:spcAft>
+                <a:spcPts val="0"/>
+              </a:spcAft>
+              <a:buNone/>
+            </a:pPr>
+            <a:endParaRPr/>
+          </a:p>
+        </p:txBody>
+      </p:sp>
+    </p:spTree>
+    <p:extLst>
+      <p:ext uri="{BB962C8B-B14F-4D97-AF65-F5344CB8AC3E}">
+        <p14:creationId xmlns:p14="http://schemas.microsoft.com/office/powerpoint/2010/main" val="2207574756"/>
+      </p:ext>
+    </p:extLst>
+  </p:cSld>
+  <p:clrMapOvr>
+    <a:masterClrMapping/>
+  </p:clrMapOvr>
+</p:notes>
+</file>
+
+<file path=ppt/notesSlides/notesSlide9.xml><?xml version="1.0" encoding="utf-8"?>
+<p:notes xmlns:a="http://schemas.openxmlformats.org/drawingml/2006/main" xmlns:r="http://schemas.openxmlformats.org/officeDocument/2006/relationships" xmlns:p="http://schemas.openxmlformats.org/presentationml/2006/main" showMasterSp="0" showMasterPhAnim="0">
+  <p:cSld>
+    <p:spTree>
+      <p:nvGrpSpPr>
+        <p:cNvPr id="1" name="Shape 105"/>
+        <p:cNvGrpSpPr/>
+        <p:nvPr/>
+      </p:nvGrpSpPr>
+      <p:grpSpPr>
+        <a:xfrm>
+          <a:off x="0" y="0"/>
+          <a:ext cx="0" cy="0"/>
+          <a:chOff x="0" y="0"/>
+          <a:chExt cx="0" cy="0"/>
+        </a:xfrm>
+      </p:grpSpPr>
+      <p:sp>
+        <p:nvSpPr>
+          <p:cNvPr id="106" name="Google Shape;106;p:notes"/>
+          <p:cNvSpPr>
+            <a:spLocks noGrp="1" noRot="1" noChangeAspect="1"/>
+          </p:cNvSpPr>
+          <p:nvPr>
+            <p:ph type="sldImg" idx="2"/>
+          </p:nvPr>
+        </p:nvSpPr>
+        <p:spPr>
+          <a:xfrm>
+            <a:off x="1143000" y="685800"/>
+            <a:ext cx="4572000" cy="3429000"/>
+          </a:xfrm>
+          <a:custGeom>
+            <a:avLst/>
+            <a:gdLst/>
+            <a:ahLst/>
+            <a:cxnLst/>
+            <a:rect l="l" t="t" r="r" b="b"/>
+            <a:pathLst>
+              <a:path w="120000" h="120000" extrusionOk="0">
+                <a:moveTo>
+                  <a:pt x="0" y="0"/>
+                </a:moveTo>
+                <a:lnTo>
+                  <a:pt x="120000" y="0"/>
+                </a:lnTo>
+                <a:lnTo>
+                  <a:pt x="120000" y="120000"/>
+                </a:lnTo>
+                <a:lnTo>
+                  <a:pt x="0" y="120000"/>
+                </a:lnTo>
+                <a:close/>
+              </a:path>
+            </a:pathLst>
+          </a:custGeom>
+        </p:spPr>
+      </p:sp>
+      <p:sp>
+        <p:nvSpPr>
+          <p:cNvPr id="107" name="Google Shape;107;p:notes"/>
+          <p:cNvSpPr txBox="1">
+            <a:spLocks noGrp="1"/>
+          </p:cNvSpPr>
+          <p:nvPr>
+            <p:ph type="body" idx="1"/>
+          </p:nvPr>
+        </p:nvSpPr>
+        <p:spPr>
+          <a:xfrm>
+            <a:off x="685800" y="4343400"/>
+            <a:ext cx="5486400" cy="4114800"/>
+          </a:xfrm>
+          <a:prstGeom prst="rect">
+            <a:avLst/>
+          </a:prstGeom>
+        </p:spPr>
+        <p:txBody>
+          <a:bodyPr spcFirstLastPara="1" wrap="square" lIns="91425" tIns="91425" rIns="91425" bIns="91425" anchor="t" anchorCtr="0">
+            <a:noAutofit/>
+          </a:bodyPr>
+          <a:lstStyle/>
+          <a:p>
+            <a:pPr marL="0" lvl="0" indent="0" algn="l" rtl="0">
+              <a:spcBef>
+                <a:spcPts val="0"/>
+              </a:spcBef>
+              <a:spcAft>
+                <a:spcPts val="0"/>
+              </a:spcAft>
+              <a:buNone/>
+            </a:pPr>
+            <a:endParaRPr/>
+          </a:p>
+        </p:txBody>
+      </p:sp>
+    </p:spTree>
+    <p:extLst>
+      <p:ext uri="{BB962C8B-B14F-4D97-AF65-F5344CB8AC3E}">
+        <p14:creationId xmlns:p14="http://schemas.microsoft.com/office/powerpoint/2010/main" val="2011307134"/>
+      </p:ext>
+    </p:extLst>
   </p:cSld>
   <p:clrMapOvr>
     <a:masterClrMapping/>
@@ -1950,722 +2411,6 @@
 </p:sldLayout>
 </file>
 
-<file path=ppt/slideLayouts/slideLayout3.xml><?xml version="1.0" encoding="utf-8"?>
-<p:sldLayout xmlns:a="http://schemas.openxmlformats.org/drawingml/2006/main" xmlns:r="http://schemas.openxmlformats.org/officeDocument/2006/relationships" xmlns:p="http://schemas.openxmlformats.org/presentationml/2006/main" matchingName="Title + 2 columns" type="twoColTx">
-  <p:cSld name="TITLE_AND_TWO_COLUMNS">
-    <p:spTree>
-      <p:nvGrpSpPr>
-        <p:cNvPr id="1" name="Shape 42"/>
-        <p:cNvGrpSpPr/>
-        <p:nvPr/>
-      </p:nvGrpSpPr>
-      <p:grpSpPr>
-        <a:xfrm>
-          <a:off x="0" y="0"/>
-          <a:ext cx="0" cy="0"/>
-          <a:chOff x="0" y="0"/>
-          <a:chExt cx="0" cy="0"/>
-        </a:xfrm>
-      </p:grpSpPr>
-      <p:sp>
-        <p:nvSpPr>
-          <p:cNvPr id="43" name="Google Shape;43;p6"/>
-          <p:cNvSpPr txBox="1">
-            <a:spLocks noGrp="1"/>
-          </p:cNvSpPr>
-          <p:nvPr>
-            <p:ph type="title"/>
-          </p:nvPr>
-        </p:nvSpPr>
-        <p:spPr>
-          <a:xfrm>
-            <a:off x="404330" y="658442"/>
-            <a:ext cx="8229600" cy="551400"/>
-          </a:xfrm>
-          <a:prstGeom prst="rect">
-            <a:avLst/>
-          </a:prstGeom>
-        </p:spPr>
-        <p:txBody>
-          <a:bodyPr spcFirstLastPara="1" wrap="square" lIns="91425" tIns="91425" rIns="91425" bIns="91425" anchor="t" anchorCtr="0"/>
-          <a:lstStyle>
-            <a:lvl1pPr lvl="0">
-              <a:spcBef>
-                <a:spcPts val="0"/>
-              </a:spcBef>
-              <a:spcAft>
-                <a:spcPts val="0"/>
-              </a:spcAft>
-              <a:buSzPts val="2200"/>
-              <a:buNone/>
-              <a:defRPr/>
-            </a:lvl1pPr>
-            <a:lvl2pPr lvl="1">
-              <a:spcBef>
-                <a:spcPts val="0"/>
-              </a:spcBef>
-              <a:spcAft>
-                <a:spcPts val="0"/>
-              </a:spcAft>
-              <a:buSzPts val="2200"/>
-              <a:buNone/>
-              <a:defRPr/>
-            </a:lvl2pPr>
-            <a:lvl3pPr lvl="2">
-              <a:spcBef>
-                <a:spcPts val="0"/>
-              </a:spcBef>
-              <a:spcAft>
-                <a:spcPts val="0"/>
-              </a:spcAft>
-              <a:buSzPts val="2200"/>
-              <a:buNone/>
-              <a:defRPr/>
-            </a:lvl3pPr>
-            <a:lvl4pPr lvl="3">
-              <a:spcBef>
-                <a:spcPts val="0"/>
-              </a:spcBef>
-              <a:spcAft>
-                <a:spcPts val="0"/>
-              </a:spcAft>
-              <a:buSzPts val="2200"/>
-              <a:buNone/>
-              <a:defRPr/>
-            </a:lvl4pPr>
-            <a:lvl5pPr lvl="4">
-              <a:spcBef>
-                <a:spcPts val="0"/>
-              </a:spcBef>
-              <a:spcAft>
-                <a:spcPts val="0"/>
-              </a:spcAft>
-              <a:buSzPts val="2200"/>
-              <a:buNone/>
-              <a:defRPr/>
-            </a:lvl5pPr>
-            <a:lvl6pPr lvl="5">
-              <a:spcBef>
-                <a:spcPts val="0"/>
-              </a:spcBef>
-              <a:spcAft>
-                <a:spcPts val="0"/>
-              </a:spcAft>
-              <a:buSzPts val="2200"/>
-              <a:buNone/>
-              <a:defRPr/>
-            </a:lvl6pPr>
-            <a:lvl7pPr lvl="6">
-              <a:spcBef>
-                <a:spcPts val="0"/>
-              </a:spcBef>
-              <a:spcAft>
-                <a:spcPts val="0"/>
-              </a:spcAft>
-              <a:buSzPts val="2200"/>
-              <a:buNone/>
-              <a:defRPr/>
-            </a:lvl7pPr>
-            <a:lvl8pPr lvl="7">
-              <a:spcBef>
-                <a:spcPts val="0"/>
-              </a:spcBef>
-              <a:spcAft>
-                <a:spcPts val="0"/>
-              </a:spcAft>
-              <a:buSzPts val="2200"/>
-              <a:buNone/>
-              <a:defRPr/>
-            </a:lvl8pPr>
-            <a:lvl9pPr lvl="8">
-              <a:spcBef>
-                <a:spcPts val="0"/>
-              </a:spcBef>
-              <a:spcAft>
-                <a:spcPts val="0"/>
-              </a:spcAft>
-              <a:buSzPts val="2200"/>
-              <a:buNone/>
-              <a:defRPr/>
-            </a:lvl9pPr>
-          </a:lstStyle>
-          <a:p>
-            <a:endParaRPr/>
-          </a:p>
-        </p:txBody>
-      </p:sp>
-      <p:sp>
-        <p:nvSpPr>
-          <p:cNvPr id="44" name="Google Shape;44;p6"/>
-          <p:cNvSpPr txBox="1">
-            <a:spLocks noGrp="1"/>
-          </p:cNvSpPr>
-          <p:nvPr>
-            <p:ph type="body" idx="1"/>
-          </p:nvPr>
-        </p:nvSpPr>
-        <p:spPr>
-          <a:xfrm>
-            <a:off x="420778" y="1653070"/>
-            <a:ext cx="3994500" cy="4967700"/>
-          </a:xfrm>
-          <a:prstGeom prst="rect">
-            <a:avLst/>
-          </a:prstGeom>
-        </p:spPr>
-        <p:txBody>
-          <a:bodyPr spcFirstLastPara="1" wrap="square" lIns="91425" tIns="91425" rIns="91425" bIns="91425" anchor="t" anchorCtr="0"/>
-          <a:lstStyle>
-            <a:lvl1pPr marL="457200" lvl="0" indent="-342900">
-              <a:spcBef>
-                <a:spcPts val="600"/>
-              </a:spcBef>
-              <a:spcAft>
-                <a:spcPts val="0"/>
-              </a:spcAft>
-              <a:buSzPts val="1800"/>
-              <a:buChar char="▪"/>
-              <a:defRPr sz="1800"/>
-            </a:lvl1pPr>
-            <a:lvl2pPr marL="914400" lvl="1" indent="-342900">
-              <a:spcBef>
-                <a:spcPts val="0"/>
-              </a:spcBef>
-              <a:spcAft>
-                <a:spcPts val="0"/>
-              </a:spcAft>
-              <a:buSzPts val="1800"/>
-              <a:buChar char="▫"/>
-              <a:defRPr sz="1800"/>
-            </a:lvl2pPr>
-            <a:lvl3pPr marL="1371600" lvl="2" indent="-342900">
-              <a:spcBef>
-                <a:spcPts val="0"/>
-              </a:spcBef>
-              <a:spcAft>
-                <a:spcPts val="0"/>
-              </a:spcAft>
-              <a:buSzPts val="1800"/>
-              <a:buChar char="■"/>
-              <a:defRPr sz="1800"/>
-            </a:lvl3pPr>
-            <a:lvl4pPr marL="1828800" lvl="3" indent="-342900">
-              <a:spcBef>
-                <a:spcPts val="0"/>
-              </a:spcBef>
-              <a:spcAft>
-                <a:spcPts val="0"/>
-              </a:spcAft>
-              <a:buSzPts val="1800"/>
-              <a:buChar char="●"/>
-              <a:defRPr/>
-            </a:lvl4pPr>
-            <a:lvl5pPr marL="2286000" lvl="4" indent="-342900">
-              <a:spcBef>
-                <a:spcPts val="0"/>
-              </a:spcBef>
-              <a:spcAft>
-                <a:spcPts val="0"/>
-              </a:spcAft>
-              <a:buSzPts val="1800"/>
-              <a:buChar char="○"/>
-              <a:defRPr/>
-            </a:lvl5pPr>
-            <a:lvl6pPr marL="2743200" lvl="5" indent="-342900">
-              <a:spcBef>
-                <a:spcPts val="0"/>
-              </a:spcBef>
-              <a:spcAft>
-                <a:spcPts val="0"/>
-              </a:spcAft>
-              <a:buSzPts val="1800"/>
-              <a:buChar char="■"/>
-              <a:defRPr/>
-            </a:lvl6pPr>
-            <a:lvl7pPr marL="3200400" lvl="6" indent="-342900">
-              <a:spcBef>
-                <a:spcPts val="0"/>
-              </a:spcBef>
-              <a:spcAft>
-                <a:spcPts val="0"/>
-              </a:spcAft>
-              <a:buSzPts val="1800"/>
-              <a:buChar char="●"/>
-              <a:defRPr/>
-            </a:lvl7pPr>
-            <a:lvl8pPr marL="3657600" lvl="7" indent="-342900">
-              <a:spcBef>
-                <a:spcPts val="0"/>
-              </a:spcBef>
-              <a:spcAft>
-                <a:spcPts val="0"/>
-              </a:spcAft>
-              <a:buSzPts val="1800"/>
-              <a:buChar char="○"/>
-              <a:defRPr/>
-            </a:lvl8pPr>
-            <a:lvl9pPr marL="4114800" lvl="8" indent="-342900">
-              <a:spcBef>
-                <a:spcPts val="0"/>
-              </a:spcBef>
-              <a:spcAft>
-                <a:spcPts val="0"/>
-              </a:spcAft>
-              <a:buSzPts val="1800"/>
-              <a:buChar char="■"/>
-              <a:defRPr/>
-            </a:lvl9pPr>
-          </a:lstStyle>
-          <a:p>
-            <a:endParaRPr/>
-          </a:p>
-        </p:txBody>
-      </p:sp>
-      <p:sp>
-        <p:nvSpPr>
-          <p:cNvPr id="45" name="Google Shape;45;p6"/>
-          <p:cNvSpPr txBox="1">
-            <a:spLocks noGrp="1"/>
-          </p:cNvSpPr>
-          <p:nvPr>
-            <p:ph type="body" idx="2"/>
-          </p:nvPr>
-        </p:nvSpPr>
-        <p:spPr>
-          <a:xfrm>
-            <a:off x="4731381" y="1653070"/>
-            <a:ext cx="3994500" cy="4967700"/>
-          </a:xfrm>
-          <a:prstGeom prst="rect">
-            <a:avLst/>
-          </a:prstGeom>
-        </p:spPr>
-        <p:txBody>
-          <a:bodyPr spcFirstLastPara="1" wrap="square" lIns="91425" tIns="91425" rIns="91425" bIns="91425" anchor="t" anchorCtr="0"/>
-          <a:lstStyle>
-            <a:lvl1pPr marL="457200" lvl="0" indent="-342900">
-              <a:spcBef>
-                <a:spcPts val="600"/>
-              </a:spcBef>
-              <a:spcAft>
-                <a:spcPts val="0"/>
-              </a:spcAft>
-              <a:buSzPts val="1800"/>
-              <a:buChar char="▪"/>
-              <a:defRPr sz="1800"/>
-            </a:lvl1pPr>
-            <a:lvl2pPr marL="914400" lvl="1" indent="-342900">
-              <a:spcBef>
-                <a:spcPts val="0"/>
-              </a:spcBef>
-              <a:spcAft>
-                <a:spcPts val="0"/>
-              </a:spcAft>
-              <a:buSzPts val="1800"/>
-              <a:buChar char="▫"/>
-              <a:defRPr sz="1800"/>
-            </a:lvl2pPr>
-            <a:lvl3pPr marL="1371600" lvl="2" indent="-342900">
-              <a:spcBef>
-                <a:spcPts val="0"/>
-              </a:spcBef>
-              <a:spcAft>
-                <a:spcPts val="0"/>
-              </a:spcAft>
-              <a:buSzPts val="1800"/>
-              <a:buChar char="■"/>
-              <a:defRPr sz="1800"/>
-            </a:lvl3pPr>
-            <a:lvl4pPr marL="1828800" lvl="3" indent="-342900">
-              <a:spcBef>
-                <a:spcPts val="0"/>
-              </a:spcBef>
-              <a:spcAft>
-                <a:spcPts val="0"/>
-              </a:spcAft>
-              <a:buSzPts val="1800"/>
-              <a:buChar char="●"/>
-              <a:defRPr/>
-            </a:lvl4pPr>
-            <a:lvl5pPr marL="2286000" lvl="4" indent="-342900">
-              <a:spcBef>
-                <a:spcPts val="0"/>
-              </a:spcBef>
-              <a:spcAft>
-                <a:spcPts val="0"/>
-              </a:spcAft>
-              <a:buSzPts val="1800"/>
-              <a:buChar char="○"/>
-              <a:defRPr/>
-            </a:lvl5pPr>
-            <a:lvl6pPr marL="2743200" lvl="5" indent="-342900">
-              <a:spcBef>
-                <a:spcPts val="0"/>
-              </a:spcBef>
-              <a:spcAft>
-                <a:spcPts val="0"/>
-              </a:spcAft>
-              <a:buSzPts val="1800"/>
-              <a:buChar char="■"/>
-              <a:defRPr/>
-            </a:lvl6pPr>
-            <a:lvl7pPr marL="3200400" lvl="6" indent="-342900">
-              <a:spcBef>
-                <a:spcPts val="0"/>
-              </a:spcBef>
-              <a:spcAft>
-                <a:spcPts val="0"/>
-              </a:spcAft>
-              <a:buSzPts val="1800"/>
-              <a:buChar char="●"/>
-              <a:defRPr/>
-            </a:lvl7pPr>
-            <a:lvl8pPr marL="3657600" lvl="7" indent="-342900">
-              <a:spcBef>
-                <a:spcPts val="0"/>
-              </a:spcBef>
-              <a:spcAft>
-                <a:spcPts val="0"/>
-              </a:spcAft>
-              <a:buSzPts val="1800"/>
-              <a:buChar char="○"/>
-              <a:defRPr/>
-            </a:lvl8pPr>
-            <a:lvl9pPr marL="4114800" lvl="8" indent="-342900">
-              <a:spcBef>
-                <a:spcPts val="0"/>
-              </a:spcBef>
-              <a:spcAft>
-                <a:spcPts val="0"/>
-              </a:spcAft>
-              <a:buSzPts val="1800"/>
-              <a:buChar char="■"/>
-              <a:defRPr/>
-            </a:lvl9pPr>
-          </a:lstStyle>
-          <a:p>
-            <a:endParaRPr/>
-          </a:p>
-        </p:txBody>
-      </p:sp>
-      <p:sp>
-        <p:nvSpPr>
-          <p:cNvPr id="46" name="Google Shape;46;p6"/>
-          <p:cNvSpPr txBox="1">
-            <a:spLocks noGrp="1"/>
-          </p:cNvSpPr>
-          <p:nvPr>
-            <p:ph type="sldNum" idx="12"/>
-          </p:nvPr>
-        </p:nvSpPr>
-        <p:spPr>
-          <a:xfrm>
-            <a:off x="8523157" y="6391956"/>
-            <a:ext cx="461100" cy="389100"/>
-          </a:xfrm>
-          <a:prstGeom prst="rect">
-            <a:avLst/>
-          </a:prstGeom>
-        </p:spPr>
-        <p:txBody>
-          <a:bodyPr spcFirstLastPara="1" wrap="square" lIns="91425" tIns="91425" rIns="91425" bIns="91425" anchor="t" anchorCtr="0">
-            <a:noAutofit/>
-          </a:bodyPr>
-          <a:lstStyle>
-            <a:lvl1pPr lvl="0">
-              <a:buNone/>
-              <a:defRPr/>
-            </a:lvl1pPr>
-            <a:lvl2pPr lvl="1">
-              <a:buNone/>
-              <a:defRPr/>
-            </a:lvl2pPr>
-            <a:lvl3pPr lvl="2">
-              <a:buNone/>
-              <a:defRPr/>
-            </a:lvl3pPr>
-            <a:lvl4pPr lvl="3">
-              <a:buNone/>
-              <a:defRPr/>
-            </a:lvl4pPr>
-            <a:lvl5pPr lvl="4">
-              <a:buNone/>
-              <a:defRPr/>
-            </a:lvl5pPr>
-            <a:lvl6pPr lvl="5">
-              <a:buNone/>
-              <a:defRPr/>
-            </a:lvl6pPr>
-            <a:lvl7pPr lvl="6">
-              <a:buNone/>
-              <a:defRPr/>
-            </a:lvl7pPr>
-            <a:lvl8pPr lvl="7">
-              <a:buNone/>
-              <a:defRPr/>
-            </a:lvl8pPr>
-            <a:lvl9pPr lvl="8">
-              <a:buNone/>
-              <a:defRPr/>
-            </a:lvl9pPr>
-          </a:lstStyle>
-          <a:p>
-            <a:pPr marL="0" lvl="0" indent="0" algn="r" rtl="0">
-              <a:spcBef>
-                <a:spcPts val="0"/>
-              </a:spcBef>
-              <a:spcAft>
-                <a:spcPts val="0"/>
-              </a:spcAft>
-              <a:buNone/>
-            </a:pPr>
-            <a:fld id="{00000000-1234-1234-1234-123412341234}" type="slidenum">
-              <a:rPr lang="en"/>
-              <a:t>‹#›</a:t>
-            </a:fld>
-            <a:endParaRPr/>
-          </a:p>
-        </p:txBody>
-      </p:sp>
-    </p:spTree>
-  </p:cSld>
-  <p:clrMapOvr>
-    <a:masterClrMapping/>
-  </p:clrMapOvr>
-</p:sldLayout>
-</file>
-
-<file path=ppt/slideLayouts/slideLayout4.xml><?xml version="1.0" encoding="utf-8"?>
-<p:sldLayout xmlns:a="http://schemas.openxmlformats.org/drawingml/2006/main" xmlns:r="http://schemas.openxmlformats.org/officeDocument/2006/relationships" xmlns:p="http://schemas.openxmlformats.org/presentationml/2006/main" matchingName="Title only" type="titleOnly">
-  <p:cSld name="TITLE_ONLY">
-    <p:spTree>
-      <p:nvGrpSpPr>
-        <p:cNvPr id="1" name="Shape 53"/>
-        <p:cNvGrpSpPr/>
-        <p:nvPr/>
-      </p:nvGrpSpPr>
-      <p:grpSpPr>
-        <a:xfrm>
-          <a:off x="0" y="0"/>
-          <a:ext cx="0" cy="0"/>
-          <a:chOff x="0" y="0"/>
-          <a:chExt cx="0" cy="0"/>
-        </a:xfrm>
-      </p:grpSpPr>
-      <p:sp>
-        <p:nvSpPr>
-          <p:cNvPr id="54" name="Google Shape;54;p8"/>
-          <p:cNvSpPr txBox="1">
-            <a:spLocks noGrp="1"/>
-          </p:cNvSpPr>
-          <p:nvPr>
-            <p:ph type="title"/>
-          </p:nvPr>
-        </p:nvSpPr>
-        <p:spPr>
-          <a:xfrm>
-            <a:off x="404330" y="658442"/>
-            <a:ext cx="8229600" cy="551400"/>
-          </a:xfrm>
-          <a:prstGeom prst="rect">
-            <a:avLst/>
-          </a:prstGeom>
-        </p:spPr>
-        <p:txBody>
-          <a:bodyPr spcFirstLastPara="1" wrap="square" lIns="91425" tIns="91425" rIns="91425" bIns="91425" anchor="t" anchorCtr="0"/>
-          <a:lstStyle>
-            <a:lvl1pPr lvl="0">
-              <a:spcBef>
-                <a:spcPts val="0"/>
-              </a:spcBef>
-              <a:spcAft>
-                <a:spcPts val="0"/>
-              </a:spcAft>
-              <a:buSzPts val="2200"/>
-              <a:buNone/>
-              <a:defRPr/>
-            </a:lvl1pPr>
-            <a:lvl2pPr lvl="1">
-              <a:spcBef>
-                <a:spcPts val="0"/>
-              </a:spcBef>
-              <a:spcAft>
-                <a:spcPts val="0"/>
-              </a:spcAft>
-              <a:buSzPts val="2200"/>
-              <a:buNone/>
-              <a:defRPr/>
-            </a:lvl2pPr>
-            <a:lvl3pPr lvl="2">
-              <a:spcBef>
-                <a:spcPts val="0"/>
-              </a:spcBef>
-              <a:spcAft>
-                <a:spcPts val="0"/>
-              </a:spcAft>
-              <a:buSzPts val="2200"/>
-              <a:buNone/>
-              <a:defRPr/>
-            </a:lvl3pPr>
-            <a:lvl4pPr lvl="3">
-              <a:spcBef>
-                <a:spcPts val="0"/>
-              </a:spcBef>
-              <a:spcAft>
-                <a:spcPts val="0"/>
-              </a:spcAft>
-              <a:buSzPts val="2200"/>
-              <a:buNone/>
-              <a:defRPr/>
-            </a:lvl4pPr>
-            <a:lvl5pPr lvl="4">
-              <a:spcBef>
-                <a:spcPts val="0"/>
-              </a:spcBef>
-              <a:spcAft>
-                <a:spcPts val="0"/>
-              </a:spcAft>
-              <a:buSzPts val="2200"/>
-              <a:buNone/>
-              <a:defRPr/>
-            </a:lvl5pPr>
-            <a:lvl6pPr lvl="5">
-              <a:spcBef>
-                <a:spcPts val="0"/>
-              </a:spcBef>
-              <a:spcAft>
-                <a:spcPts val="0"/>
-              </a:spcAft>
-              <a:buSzPts val="2200"/>
-              <a:buNone/>
-              <a:defRPr/>
-            </a:lvl6pPr>
-            <a:lvl7pPr lvl="6">
-              <a:spcBef>
-                <a:spcPts val="0"/>
-              </a:spcBef>
-              <a:spcAft>
-                <a:spcPts val="0"/>
-              </a:spcAft>
-              <a:buSzPts val="2200"/>
-              <a:buNone/>
-              <a:defRPr/>
-            </a:lvl7pPr>
-            <a:lvl8pPr lvl="7">
-              <a:spcBef>
-                <a:spcPts val="0"/>
-              </a:spcBef>
-              <a:spcAft>
-                <a:spcPts val="0"/>
-              </a:spcAft>
-              <a:buSzPts val="2200"/>
-              <a:buNone/>
-              <a:defRPr/>
-            </a:lvl8pPr>
-            <a:lvl9pPr lvl="8">
-              <a:spcBef>
-                <a:spcPts val="0"/>
-              </a:spcBef>
-              <a:spcAft>
-                <a:spcPts val="0"/>
-              </a:spcAft>
-              <a:buSzPts val="2200"/>
-              <a:buNone/>
-              <a:defRPr/>
-            </a:lvl9pPr>
-          </a:lstStyle>
-          <a:p>
-            <a:endParaRPr/>
-          </a:p>
-        </p:txBody>
-      </p:sp>
-      <p:sp>
-        <p:nvSpPr>
-          <p:cNvPr id="55" name="Google Shape;55;p8"/>
-          <p:cNvSpPr txBox="1">
-            <a:spLocks noGrp="1"/>
-          </p:cNvSpPr>
-          <p:nvPr>
-            <p:ph type="sldNum" idx="12"/>
-          </p:nvPr>
-        </p:nvSpPr>
-        <p:spPr>
-          <a:xfrm>
-            <a:off x="8523157" y="6391956"/>
-            <a:ext cx="461100" cy="389100"/>
-          </a:xfrm>
-          <a:prstGeom prst="rect">
-            <a:avLst/>
-          </a:prstGeom>
-        </p:spPr>
-        <p:txBody>
-          <a:bodyPr spcFirstLastPara="1" wrap="square" lIns="91425" tIns="91425" rIns="91425" bIns="91425" anchor="t" anchorCtr="0">
-            <a:noAutofit/>
-          </a:bodyPr>
-          <a:lstStyle>
-            <a:lvl1pPr lvl="0">
-              <a:buNone/>
-              <a:defRPr/>
-            </a:lvl1pPr>
-            <a:lvl2pPr lvl="1">
-              <a:buNone/>
-              <a:defRPr/>
-            </a:lvl2pPr>
-            <a:lvl3pPr lvl="2">
-              <a:buNone/>
-              <a:defRPr/>
-            </a:lvl3pPr>
-            <a:lvl4pPr lvl="3">
-              <a:buNone/>
-              <a:defRPr/>
-            </a:lvl4pPr>
-            <a:lvl5pPr lvl="4">
-              <a:buNone/>
-              <a:defRPr/>
-            </a:lvl5pPr>
-            <a:lvl6pPr lvl="5">
-              <a:buNone/>
-              <a:defRPr/>
-            </a:lvl6pPr>
-            <a:lvl7pPr lvl="6">
-              <a:buNone/>
-              <a:defRPr/>
-            </a:lvl7pPr>
-            <a:lvl8pPr lvl="7">
-              <a:buNone/>
-              <a:defRPr/>
-            </a:lvl8pPr>
-            <a:lvl9pPr lvl="8">
-              <a:buNone/>
-              <a:defRPr/>
-            </a:lvl9pPr>
-          </a:lstStyle>
-          <a:p>
-            <a:pPr marL="0" lvl="0" indent="0" algn="r" rtl="0">
-              <a:spcBef>
-                <a:spcPts val="0"/>
-              </a:spcBef>
-              <a:spcAft>
-                <a:spcPts val="0"/>
-              </a:spcAft>
-              <a:buNone/>
-            </a:pPr>
-            <a:fld id="{00000000-1234-1234-1234-123412341234}" type="slidenum">
-              <a:rPr lang="en"/>
-              <a:t>‹#›</a:t>
-            </a:fld>
-            <a:endParaRPr/>
-          </a:p>
-        </p:txBody>
-      </p:sp>
-    </p:spTree>
-  </p:cSld>
-  <p:clrMapOvr>
-    <a:masterClrMapping/>
-  </p:clrMapOvr>
-</p:sldLayout>
-</file>
-
 <file path=ppt/slideMasters/slideMaster1.xml><?xml version="1.0" encoding="utf-8"?>
 <p:sldMaster xmlns:a="http://schemas.openxmlformats.org/drawingml/2006/main" xmlns:r="http://schemas.openxmlformats.org/officeDocument/2006/relationships" xmlns:p="http://schemas.openxmlformats.org/presentationml/2006/main">
   <p:cSld name="simple-light">
@@ -2698,7 +2443,7 @@
           <p:nvPr/>
         </p:nvPicPr>
         <p:blipFill rotWithShape="1">
-          <a:blip r:embed="rId6">
+          <a:blip r:embed="rId4">
             <a:alphaModFix/>
           </a:blip>
           <a:srcRect r="3297" b="3297"/>
@@ -3401,8 +3146,6 @@
   <p:sldLayoutIdLst>
     <p:sldLayoutId id="2147483648" r:id="rId1"/>
     <p:sldLayoutId id="2147483651" r:id="rId2"/>
-    <p:sldLayoutId id="2147483652" r:id="rId3"/>
-    <p:sldLayoutId id="2147483654" r:id="rId4"/>
   </p:sldLayoutIdLst>
   <p:transition>
     <p:fade thruBlk="1"/>
@@ -4142,7 +3885,7 @@
           </a:bodyPr>
           <a:lstStyle/>
           <a:p>
-            <a:pPr marL="0" lvl="0" indent="0" algn="l" rtl="0">
+            <a:pPr marL="0" lvl="0" indent="0" algn="ctr" rtl="0">
               <a:spcBef>
                 <a:spcPts val="0"/>
               </a:spcBef>
@@ -4152,14 +3895,204 @@
               <a:buNone/>
             </a:pPr>
             <a:r>
-              <a:rPr lang="en" dirty="0"/>
-              <a:t>Final Presentation</a:t>
+              <a:rPr lang="en-US" dirty="0"/>
+              <a:t>The Amigos</a:t>
+            </a:r>
+            <a:br>
+              <a:rPr lang="en-US" dirty="0"/>
+            </a:br>
+            <a:br>
+              <a:rPr lang="en-US" dirty="0"/>
+            </a:br>
+            <a:r>
+              <a:rPr lang="en-US" sz="1400" dirty="0"/>
+              <a:t>“This should work”</a:t>
+            </a:r>
+            <a:br>
+              <a:rPr lang="en-US" sz="1400" dirty="0"/>
+            </a:br>
+            <a:endParaRPr sz="1400" dirty="0"/>
+          </a:p>
+        </p:txBody>
+      </p:sp>
+    </p:spTree>
+  </p:cSld>
+  <p:clrMapOvr>
+    <a:masterClrMapping/>
+  </p:clrMapOvr>
+</p:sld>
+</file>
+
+<file path=ppt/slides/slide10.xml><?xml version="1.0" encoding="utf-8"?>
+<p:sld xmlns:a="http://schemas.openxmlformats.org/drawingml/2006/main" xmlns:r="http://schemas.openxmlformats.org/officeDocument/2006/relationships" xmlns:p="http://schemas.openxmlformats.org/presentationml/2006/main">
+  <p:cSld>
+    <p:spTree>
+      <p:nvGrpSpPr>
+        <p:cNvPr id="1" name="Shape 108"/>
+        <p:cNvGrpSpPr/>
+        <p:nvPr/>
+      </p:nvGrpSpPr>
+      <p:grpSpPr>
+        <a:xfrm>
+          <a:off x="0" y="0"/>
+          <a:ext cx="0" cy="0"/>
+          <a:chOff x="0" y="0"/>
+          <a:chExt cx="0" cy="0"/>
+        </a:xfrm>
+      </p:grpSpPr>
+      <p:sp>
+        <p:nvSpPr>
+          <p:cNvPr id="109" name="Google Shape;109;p16"/>
+          <p:cNvSpPr txBox="1">
+            <a:spLocks noGrp="1"/>
+          </p:cNvSpPr>
+          <p:nvPr>
+            <p:ph type="title"/>
+          </p:nvPr>
+        </p:nvSpPr>
+        <p:spPr>
+          <a:xfrm>
+            <a:off x="404330" y="658442"/>
+            <a:ext cx="8229600" cy="551400"/>
+          </a:xfrm>
+          <a:prstGeom prst="rect">
+            <a:avLst/>
+          </a:prstGeom>
+        </p:spPr>
+        <p:txBody>
+          <a:bodyPr spcFirstLastPara="1" wrap="square" lIns="91425" tIns="91425" rIns="91425" bIns="91425" anchor="t" anchorCtr="0">
+            <a:noAutofit/>
+          </a:bodyPr>
+          <a:lstStyle/>
+          <a:p>
+            <a:pPr marL="0" lvl="0" indent="0" algn="l" rtl="0">
+              <a:spcBef>
+                <a:spcPts val="0"/>
+              </a:spcBef>
+              <a:spcAft>
+                <a:spcPts val="0"/>
+              </a:spcAft>
+              <a:buNone/>
+            </a:pPr>
+            <a:r>
+              <a:rPr lang="en-US" dirty="0"/>
+              <a:t>What we would change</a:t>
             </a:r>
             <a:endParaRPr dirty="0"/>
           </a:p>
         </p:txBody>
       </p:sp>
+      <p:sp>
+        <p:nvSpPr>
+          <p:cNvPr id="110" name="Google Shape;110;p16"/>
+          <p:cNvSpPr txBox="1">
+            <a:spLocks noGrp="1"/>
+          </p:cNvSpPr>
+          <p:nvPr>
+            <p:ph type="body" idx="1"/>
+          </p:nvPr>
+        </p:nvSpPr>
+        <p:spPr>
+          <a:xfrm>
+            <a:off x="343225" y="1500000"/>
+            <a:ext cx="8290800" cy="4851900"/>
+          </a:xfrm>
+          <a:prstGeom prst="rect">
+            <a:avLst/>
+          </a:prstGeom>
+        </p:spPr>
+        <p:txBody>
+          <a:bodyPr spcFirstLastPara="1" wrap="square" lIns="91425" tIns="91425" rIns="91425" bIns="91425" anchor="t" anchorCtr="0">
+            <a:noAutofit/>
+          </a:bodyPr>
+          <a:lstStyle/>
+          <a:p>
+            <a:r>
+              <a:rPr lang="en-US" dirty="0"/>
+              <a:t>Add graphics</a:t>
+            </a:r>
+          </a:p>
+          <a:p>
+            <a:r>
+              <a:rPr lang="en-US" dirty="0"/>
+              <a:t>Scoring </a:t>
+            </a:r>
+          </a:p>
+          <a:p>
+            <a:r>
+              <a:rPr lang="en-US" dirty="0"/>
+              <a:t>Efficiency</a:t>
+            </a:r>
+          </a:p>
+          <a:p>
+            <a:r>
+              <a:rPr lang="en-US" dirty="0"/>
+              <a:t>Levels</a:t>
+            </a:r>
+          </a:p>
+          <a:p>
+            <a:pPr marL="38100" lvl="0" indent="0" algn="l" rtl="0">
+              <a:spcBef>
+                <a:spcPts val="600"/>
+              </a:spcBef>
+              <a:spcAft>
+                <a:spcPts val="0"/>
+              </a:spcAft>
+              <a:buSzPts val="3000"/>
+              <a:buNone/>
+            </a:pPr>
+            <a:endParaRPr dirty="0"/>
+          </a:p>
+        </p:txBody>
+      </p:sp>
+      <p:sp>
+        <p:nvSpPr>
+          <p:cNvPr id="111" name="Google Shape;111;p16"/>
+          <p:cNvSpPr txBox="1">
+            <a:spLocks noGrp="1"/>
+          </p:cNvSpPr>
+          <p:nvPr>
+            <p:ph type="sldNum" idx="12"/>
+          </p:nvPr>
+        </p:nvSpPr>
+        <p:spPr>
+          <a:xfrm>
+            <a:off x="8523157" y="6391956"/>
+            <a:ext cx="461100" cy="389100"/>
+          </a:xfrm>
+          <a:prstGeom prst="rect">
+            <a:avLst/>
+          </a:prstGeom>
+        </p:spPr>
+        <p:txBody>
+          <a:bodyPr spcFirstLastPara="1" wrap="square" lIns="91425" tIns="91425" rIns="91425" bIns="91425" anchor="t" anchorCtr="0">
+            <a:noAutofit/>
+          </a:bodyPr>
+          <a:lstStyle/>
+          <a:p>
+            <a:pPr marL="0" lvl="0" indent="0" algn="r" rtl="0">
+              <a:spcBef>
+                <a:spcPts val="0"/>
+              </a:spcBef>
+              <a:spcAft>
+                <a:spcPts val="0"/>
+              </a:spcAft>
+              <a:buNone/>
+            </a:pPr>
+            <a:fld id="{00000000-1234-1234-1234-123412341234}" type="slidenum">
+              <a:rPr lang="en"/>
+              <a:t>10</a:t>
+            </a:fld>
+            <a:endParaRPr/>
+          </a:p>
+        </p:txBody>
+      </p:sp>
     </p:spTree>
+    <p:extLst>
+      <p:ext uri="{BB962C8B-B14F-4D97-AF65-F5344CB8AC3E}">
+        <p14:creationId xmlns:p14="http://schemas.microsoft.com/office/powerpoint/2010/main" val="432127127"/>
+      </p:ext>
+    </p:extLst>
   </p:cSld>
   <p:clrMapOvr>
     <a:masterClrMapping/>
@@ -4218,6 +4151,319 @@
               </a:spcAft>
               <a:buNone/>
             </a:pPr>
+            <a:r>
+              <a:rPr lang="en-US" dirty="0"/>
+              <a:t>Original Design</a:t>
+            </a:r>
+            <a:endParaRPr dirty="0"/>
+          </a:p>
+        </p:txBody>
+      </p:sp>
+      <p:sp>
+        <p:nvSpPr>
+          <p:cNvPr id="110" name="Google Shape;110;p16"/>
+          <p:cNvSpPr txBox="1">
+            <a:spLocks noGrp="1"/>
+          </p:cNvSpPr>
+          <p:nvPr>
+            <p:ph type="body" idx="1"/>
+          </p:nvPr>
+        </p:nvSpPr>
+        <p:spPr>
+          <a:xfrm>
+            <a:off x="343225" y="1500000"/>
+            <a:ext cx="8290800" cy="4851900"/>
+          </a:xfrm>
+          <a:prstGeom prst="rect">
+            <a:avLst/>
+          </a:prstGeom>
+        </p:spPr>
+        <p:txBody>
+          <a:bodyPr spcFirstLastPara="1" wrap="square" lIns="91425" tIns="91425" rIns="91425" bIns="91425" anchor="t" anchorCtr="0">
+            <a:noAutofit/>
+          </a:bodyPr>
+          <a:lstStyle/>
+          <a:p>
+            <a:pPr marL="38100" lvl="0" indent="0">
+              <a:buNone/>
+            </a:pPr>
+            <a:r>
+              <a:rPr lang="en-US" dirty="0"/>
+              <a:t>Basic gaming concepts &amp; Set small goals</a:t>
+            </a:r>
+          </a:p>
+        </p:txBody>
+      </p:sp>
+      <p:sp>
+        <p:nvSpPr>
+          <p:cNvPr id="111" name="Google Shape;111;p16"/>
+          <p:cNvSpPr txBox="1">
+            <a:spLocks noGrp="1"/>
+          </p:cNvSpPr>
+          <p:nvPr>
+            <p:ph type="sldNum" idx="12"/>
+          </p:nvPr>
+        </p:nvSpPr>
+        <p:spPr>
+          <a:xfrm>
+            <a:off x="8523157" y="6391956"/>
+            <a:ext cx="461100" cy="389100"/>
+          </a:xfrm>
+          <a:prstGeom prst="rect">
+            <a:avLst/>
+          </a:prstGeom>
+        </p:spPr>
+        <p:txBody>
+          <a:bodyPr spcFirstLastPara="1" wrap="square" lIns="91425" tIns="91425" rIns="91425" bIns="91425" anchor="t" anchorCtr="0">
+            <a:noAutofit/>
+          </a:bodyPr>
+          <a:lstStyle/>
+          <a:p>
+            <a:pPr marL="0" lvl="0" indent="0" algn="r" rtl="0">
+              <a:spcBef>
+                <a:spcPts val="0"/>
+              </a:spcBef>
+              <a:spcAft>
+                <a:spcPts val="0"/>
+              </a:spcAft>
+              <a:buNone/>
+            </a:pPr>
+            <a:fld id="{00000000-1234-1234-1234-123412341234}" type="slidenum">
+              <a:rPr lang="en"/>
+              <a:t>2</a:t>
+            </a:fld>
+            <a:endParaRPr/>
+          </a:p>
+        </p:txBody>
+      </p:sp>
+    </p:spTree>
+  </p:cSld>
+  <p:clrMapOvr>
+    <a:masterClrMapping/>
+  </p:clrMapOvr>
+</p:sld>
+</file>
+
+<file path=ppt/slides/slide3.xml><?xml version="1.0" encoding="utf-8"?>
+<p:sld xmlns:a="http://schemas.openxmlformats.org/drawingml/2006/main" xmlns:r="http://schemas.openxmlformats.org/officeDocument/2006/relationships" xmlns:p="http://schemas.openxmlformats.org/presentationml/2006/main">
+  <p:cSld>
+    <p:spTree>
+      <p:nvGrpSpPr>
+        <p:cNvPr id="1" name=""/>
+        <p:cNvGrpSpPr/>
+        <p:nvPr/>
+      </p:nvGrpSpPr>
+      <p:grpSpPr>
+        <a:xfrm>
+          <a:off x="0" y="0"/>
+          <a:ext cx="0" cy="0"/>
+          <a:chOff x="0" y="0"/>
+          <a:chExt cx="0" cy="0"/>
+        </a:xfrm>
+      </p:grpSpPr>
+      <p:sp>
+        <p:nvSpPr>
+          <p:cNvPr id="2" name="Title 1">
+            <a:extLst>
+              <a:ext uri="{FF2B5EF4-FFF2-40B4-BE49-F238E27FC236}">
+                <a16:creationId xmlns:a16="http://schemas.microsoft.com/office/drawing/2014/main" id="{A94E9238-D70E-4219-BDD9-97E284AC99B2}"/>
+              </a:ext>
+            </a:extLst>
+          </p:cNvPr>
+          <p:cNvSpPr>
+            <a:spLocks noGrp="1"/>
+          </p:cNvSpPr>
+          <p:nvPr>
+            <p:ph type="title"/>
+          </p:nvPr>
+        </p:nvSpPr>
+        <p:spPr/>
+        <p:txBody>
+          <a:bodyPr/>
+          <a:lstStyle/>
+          <a:p>
+            <a:r>
+              <a:rPr lang="en-US" dirty="0"/>
+              <a:t>Current Design</a:t>
+            </a:r>
+          </a:p>
+        </p:txBody>
+      </p:sp>
+      <p:sp>
+        <p:nvSpPr>
+          <p:cNvPr id="3" name="Text Placeholder 2">
+            <a:extLst>
+              <a:ext uri="{FF2B5EF4-FFF2-40B4-BE49-F238E27FC236}">
+                <a16:creationId xmlns:a16="http://schemas.microsoft.com/office/drawing/2014/main" id="{89AB8780-A207-4C3A-8BE2-5707B073C816}"/>
+              </a:ext>
+            </a:extLst>
+          </p:cNvPr>
+          <p:cNvSpPr>
+            <a:spLocks noGrp="1"/>
+          </p:cNvSpPr>
+          <p:nvPr>
+            <p:ph type="body" idx="1"/>
+          </p:nvPr>
+        </p:nvSpPr>
+        <p:spPr/>
+        <p:txBody>
+          <a:bodyPr/>
+          <a:lstStyle/>
+          <a:p>
+            <a:pPr>
+              <a:lnSpc>
+                <a:spcPct val="250000"/>
+              </a:lnSpc>
+            </a:pPr>
+            <a:r>
+              <a:rPr lang="en-US" dirty="0"/>
+              <a:t>Multiple .h files</a:t>
+            </a:r>
+          </a:p>
+          <a:p>
+            <a:pPr>
+              <a:lnSpc>
+                <a:spcPct val="250000"/>
+              </a:lnSpc>
+            </a:pPr>
+            <a:r>
+              <a:rPr lang="en-US" dirty="0"/>
+              <a:t>Over 30 functions</a:t>
+            </a:r>
+          </a:p>
+          <a:p>
+            <a:pPr>
+              <a:lnSpc>
+                <a:spcPct val="250000"/>
+              </a:lnSpc>
+            </a:pPr>
+            <a:r>
+              <a:rPr lang="en-US" dirty="0"/>
+              <a:t>Unique RGB values</a:t>
+            </a:r>
+          </a:p>
+          <a:p>
+            <a:pPr>
+              <a:lnSpc>
+                <a:spcPct val="250000"/>
+              </a:lnSpc>
+            </a:pPr>
+            <a:r>
+              <a:rPr lang="en-US" dirty="0"/>
+              <a:t>Reads player key inputs</a:t>
+            </a:r>
+          </a:p>
+          <a:p>
+            <a:endParaRPr lang="en-US" dirty="0"/>
+          </a:p>
+        </p:txBody>
+      </p:sp>
+      <p:sp>
+        <p:nvSpPr>
+          <p:cNvPr id="4" name="Slide Number Placeholder 3">
+            <a:extLst>
+              <a:ext uri="{FF2B5EF4-FFF2-40B4-BE49-F238E27FC236}">
+                <a16:creationId xmlns:a16="http://schemas.microsoft.com/office/drawing/2014/main" id="{2E7BA5AD-CA60-4078-BF4E-2F69A8EF5B78}"/>
+              </a:ext>
+            </a:extLst>
+          </p:cNvPr>
+          <p:cNvSpPr>
+            <a:spLocks noGrp="1"/>
+          </p:cNvSpPr>
+          <p:nvPr>
+            <p:ph type="sldNum" idx="12"/>
+          </p:nvPr>
+        </p:nvSpPr>
+        <p:spPr/>
+        <p:txBody>
+          <a:bodyPr/>
+          <a:lstStyle/>
+          <a:p>
+            <a:pPr marL="0" lvl="0" indent="0" algn="r" rtl="0">
+              <a:spcBef>
+                <a:spcPts val="0"/>
+              </a:spcBef>
+              <a:spcAft>
+                <a:spcPts val="0"/>
+              </a:spcAft>
+              <a:buNone/>
+            </a:pPr>
+            <a:fld id="{00000000-1234-1234-1234-123412341234}" type="slidenum">
+              <a:rPr lang="en" smtClean="0"/>
+              <a:t>3</a:t>
+            </a:fld>
+            <a:endParaRPr lang="en"/>
+          </a:p>
+        </p:txBody>
+      </p:sp>
+    </p:spTree>
+    <p:extLst>
+      <p:ext uri="{BB962C8B-B14F-4D97-AF65-F5344CB8AC3E}">
+        <p14:creationId xmlns:p14="http://schemas.microsoft.com/office/powerpoint/2010/main" val="3978719543"/>
+      </p:ext>
+    </p:extLst>
+  </p:cSld>
+  <p:clrMapOvr>
+    <a:masterClrMapping/>
+  </p:clrMapOvr>
+</p:sld>
+</file>
+
+<file path=ppt/slides/slide4.xml><?xml version="1.0" encoding="utf-8"?>
+<p:sld xmlns:a="http://schemas.openxmlformats.org/drawingml/2006/main" xmlns:r="http://schemas.openxmlformats.org/officeDocument/2006/relationships" xmlns:p="http://schemas.openxmlformats.org/presentationml/2006/main">
+  <p:cSld>
+    <p:spTree>
+      <p:nvGrpSpPr>
+        <p:cNvPr id="1" name="Shape 108"/>
+        <p:cNvGrpSpPr/>
+        <p:nvPr/>
+      </p:nvGrpSpPr>
+      <p:grpSpPr>
+        <a:xfrm>
+          <a:off x="0" y="0"/>
+          <a:ext cx="0" cy="0"/>
+          <a:chOff x="0" y="0"/>
+          <a:chExt cx="0" cy="0"/>
+        </a:xfrm>
+      </p:grpSpPr>
+      <p:sp>
+        <p:nvSpPr>
+          <p:cNvPr id="109" name="Google Shape;109;p16"/>
+          <p:cNvSpPr txBox="1">
+            <a:spLocks noGrp="1"/>
+          </p:cNvSpPr>
+          <p:nvPr>
+            <p:ph type="title"/>
+          </p:nvPr>
+        </p:nvSpPr>
+        <p:spPr>
+          <a:xfrm>
+            <a:off x="404330" y="658442"/>
+            <a:ext cx="8229600" cy="551400"/>
+          </a:xfrm>
+          <a:prstGeom prst="rect">
+            <a:avLst/>
+          </a:prstGeom>
+        </p:spPr>
+        <p:txBody>
+          <a:bodyPr spcFirstLastPara="1" wrap="square" lIns="91425" tIns="91425" rIns="91425" bIns="91425" anchor="t" anchorCtr="0">
+            <a:noAutofit/>
+          </a:bodyPr>
+          <a:lstStyle/>
+          <a:p>
+            <a:pPr marL="0" lvl="0" indent="0" algn="l" rtl="0">
+              <a:spcBef>
+                <a:spcPts val="0"/>
+              </a:spcBef>
+              <a:spcAft>
+                <a:spcPts val="0"/>
+              </a:spcAft>
+              <a:buNone/>
+            </a:pPr>
+            <a:r>
+              <a:rPr lang="en-US" dirty="0"/>
+              <a:t>Classes</a:t>
+            </a:r>
             <a:endParaRPr dirty="0"/>
           </a:p>
         </p:txBody>
@@ -4256,6 +4502,824 @@
               </a:spcAft>
               <a:buSzPts val="3000"/>
               <a:buChar char="▪"/>
+            </a:pPr>
+            <a:r>
+              <a:rPr lang="en-US" dirty="0"/>
+              <a:t>Player </a:t>
+            </a:r>
+          </a:p>
+          <a:p>
+            <a:pPr marL="457200" lvl="0" indent="-419100" algn="l" rtl="0">
+              <a:spcBef>
+                <a:spcPts val="600"/>
+              </a:spcBef>
+              <a:spcAft>
+                <a:spcPts val="0"/>
+              </a:spcAft>
+              <a:buSzPts val="3000"/>
+              <a:buChar char="▪"/>
+            </a:pPr>
+            <a:r>
+              <a:rPr lang="en-US" dirty="0"/>
+              <a:t>Turtle</a:t>
+            </a:r>
+          </a:p>
+          <a:p>
+            <a:pPr marL="457200" lvl="0" indent="-419100" algn="l" rtl="0">
+              <a:spcBef>
+                <a:spcPts val="600"/>
+              </a:spcBef>
+              <a:spcAft>
+                <a:spcPts val="0"/>
+              </a:spcAft>
+              <a:buSzPts val="3000"/>
+              <a:buChar char="▪"/>
+            </a:pPr>
+            <a:r>
+              <a:rPr lang="en-US" dirty="0"/>
+              <a:t>Platform</a:t>
+            </a:r>
+          </a:p>
+          <a:p>
+            <a:pPr marL="457200" lvl="0" indent="-419100" algn="l" rtl="0">
+              <a:spcBef>
+                <a:spcPts val="600"/>
+              </a:spcBef>
+              <a:spcAft>
+                <a:spcPts val="0"/>
+              </a:spcAft>
+              <a:buSzPts val="3000"/>
+              <a:buChar char="▪"/>
+            </a:pPr>
+            <a:r>
+              <a:rPr lang="en-US" dirty="0"/>
+              <a:t>Coin</a:t>
+            </a:r>
+          </a:p>
+          <a:p>
+            <a:pPr marL="457200" lvl="0" indent="-419100" algn="l" rtl="0">
+              <a:spcBef>
+                <a:spcPts val="600"/>
+              </a:spcBef>
+              <a:spcAft>
+                <a:spcPts val="0"/>
+              </a:spcAft>
+              <a:buSzPts val="3000"/>
+              <a:buChar char="▪"/>
+            </a:pPr>
+            <a:r>
+              <a:rPr lang="en-US" dirty="0"/>
+              <a:t>Pipe</a:t>
+            </a:r>
+            <a:endParaRPr dirty="0"/>
+          </a:p>
+        </p:txBody>
+      </p:sp>
+      <p:sp>
+        <p:nvSpPr>
+          <p:cNvPr id="111" name="Google Shape;111;p16"/>
+          <p:cNvSpPr txBox="1">
+            <a:spLocks noGrp="1"/>
+          </p:cNvSpPr>
+          <p:nvPr>
+            <p:ph type="sldNum" idx="12"/>
+          </p:nvPr>
+        </p:nvSpPr>
+        <p:spPr>
+          <a:xfrm>
+            <a:off x="8523157" y="6391956"/>
+            <a:ext cx="461100" cy="389100"/>
+          </a:xfrm>
+          <a:prstGeom prst="rect">
+            <a:avLst/>
+          </a:prstGeom>
+        </p:spPr>
+        <p:txBody>
+          <a:bodyPr spcFirstLastPara="1" wrap="square" lIns="91425" tIns="91425" rIns="91425" bIns="91425" anchor="t" anchorCtr="0">
+            <a:noAutofit/>
+          </a:bodyPr>
+          <a:lstStyle/>
+          <a:p>
+            <a:pPr marL="0" lvl="0" indent="0" algn="r" rtl="0">
+              <a:spcBef>
+                <a:spcPts val="0"/>
+              </a:spcBef>
+              <a:spcAft>
+                <a:spcPts val="0"/>
+              </a:spcAft>
+              <a:buNone/>
+            </a:pPr>
+            <a:fld id="{00000000-1234-1234-1234-123412341234}" type="slidenum">
+              <a:rPr lang="en"/>
+              <a:t>4</a:t>
+            </a:fld>
+            <a:endParaRPr/>
+          </a:p>
+        </p:txBody>
+      </p:sp>
+    </p:spTree>
+    <p:extLst>
+      <p:ext uri="{BB962C8B-B14F-4D97-AF65-F5344CB8AC3E}">
+        <p14:creationId xmlns:p14="http://schemas.microsoft.com/office/powerpoint/2010/main" val="2875805708"/>
+      </p:ext>
+    </p:extLst>
+  </p:cSld>
+  <p:clrMapOvr>
+    <a:masterClrMapping/>
+  </p:clrMapOvr>
+</p:sld>
+</file>
+
+<file path=ppt/slides/slide5.xml><?xml version="1.0" encoding="utf-8"?>
+<p:sld xmlns:a="http://schemas.openxmlformats.org/drawingml/2006/main" xmlns:r="http://schemas.openxmlformats.org/officeDocument/2006/relationships" xmlns:p="http://schemas.openxmlformats.org/presentationml/2006/main">
+  <p:cSld>
+    <p:spTree>
+      <p:nvGrpSpPr>
+        <p:cNvPr id="1" name="Shape 108"/>
+        <p:cNvGrpSpPr/>
+        <p:nvPr/>
+      </p:nvGrpSpPr>
+      <p:grpSpPr>
+        <a:xfrm>
+          <a:off x="0" y="0"/>
+          <a:ext cx="0" cy="0"/>
+          <a:chOff x="0" y="0"/>
+          <a:chExt cx="0" cy="0"/>
+        </a:xfrm>
+      </p:grpSpPr>
+      <p:sp>
+        <p:nvSpPr>
+          <p:cNvPr id="109" name="Google Shape;109;p16"/>
+          <p:cNvSpPr txBox="1">
+            <a:spLocks noGrp="1"/>
+          </p:cNvSpPr>
+          <p:nvPr>
+            <p:ph type="title"/>
+          </p:nvPr>
+        </p:nvSpPr>
+        <p:spPr>
+          <a:xfrm>
+            <a:off x="404330" y="658442"/>
+            <a:ext cx="8229600" cy="551400"/>
+          </a:xfrm>
+          <a:prstGeom prst="rect">
+            <a:avLst/>
+          </a:prstGeom>
+        </p:spPr>
+        <p:txBody>
+          <a:bodyPr spcFirstLastPara="1" wrap="square" lIns="91425" tIns="91425" rIns="91425" bIns="91425" anchor="t" anchorCtr="0">
+            <a:noAutofit/>
+          </a:bodyPr>
+          <a:lstStyle/>
+          <a:p>
+            <a:pPr marL="0" lvl="0" indent="0" algn="l" rtl="0">
+              <a:spcBef>
+                <a:spcPts val="0"/>
+              </a:spcBef>
+              <a:spcAft>
+                <a:spcPts val="0"/>
+              </a:spcAft>
+              <a:buNone/>
+            </a:pPr>
+            <a:r>
+              <a:rPr lang="en-US" dirty="0"/>
+              <a:t>Draw Function</a:t>
+            </a:r>
+            <a:endParaRPr dirty="0"/>
+          </a:p>
+        </p:txBody>
+      </p:sp>
+      <p:pic>
+        <p:nvPicPr>
+          <p:cNvPr id="2" name="Picture 1">
+            <a:extLst>
+              <a:ext uri="{FF2B5EF4-FFF2-40B4-BE49-F238E27FC236}">
+                <a16:creationId xmlns:a16="http://schemas.microsoft.com/office/drawing/2014/main" id="{AE49A2F1-854D-49CF-AE0A-4211DC52D472}"/>
+              </a:ext>
+            </a:extLst>
+          </p:cNvPr>
+          <p:cNvPicPr>
+            <a:picLocks noChangeAspect="1"/>
+          </p:cNvPicPr>
+          <p:nvPr/>
+        </p:nvPicPr>
+        <p:blipFill>
+          <a:blip r:embed="rId3"/>
+          <a:stretch>
+            <a:fillRect/>
+          </a:stretch>
+        </p:blipFill>
+        <p:spPr>
+          <a:xfrm>
+            <a:off x="2486025" y="1795462"/>
+            <a:ext cx="4171950" cy="3267075"/>
+          </a:xfrm>
+          <a:prstGeom prst="rect">
+            <a:avLst/>
+          </a:prstGeom>
+        </p:spPr>
+      </p:pic>
+      <p:sp>
+        <p:nvSpPr>
+          <p:cNvPr id="111" name="Google Shape;111;p16"/>
+          <p:cNvSpPr txBox="1">
+            <a:spLocks noGrp="1"/>
+          </p:cNvSpPr>
+          <p:nvPr>
+            <p:ph type="sldNum" idx="12"/>
+          </p:nvPr>
+        </p:nvSpPr>
+        <p:spPr>
+          <a:xfrm>
+            <a:off x="8523157" y="6391956"/>
+            <a:ext cx="461100" cy="389100"/>
+          </a:xfrm>
+          <a:prstGeom prst="rect">
+            <a:avLst/>
+          </a:prstGeom>
+        </p:spPr>
+        <p:txBody>
+          <a:bodyPr spcFirstLastPara="1" wrap="square" lIns="91425" tIns="91425" rIns="91425" bIns="91425" anchor="t" anchorCtr="0">
+            <a:noAutofit/>
+          </a:bodyPr>
+          <a:lstStyle/>
+          <a:p>
+            <a:pPr marL="0" lvl="0" indent="0" algn="r" rtl="0">
+              <a:spcBef>
+                <a:spcPts val="0"/>
+              </a:spcBef>
+              <a:spcAft>
+                <a:spcPts val="0"/>
+              </a:spcAft>
+              <a:buNone/>
+            </a:pPr>
+            <a:fld id="{00000000-1234-1234-1234-123412341234}" type="slidenum">
+              <a:rPr lang="en"/>
+              <a:t>5</a:t>
+            </a:fld>
+            <a:endParaRPr/>
+          </a:p>
+        </p:txBody>
+      </p:sp>
+    </p:spTree>
+    <p:extLst>
+      <p:ext uri="{BB962C8B-B14F-4D97-AF65-F5344CB8AC3E}">
+        <p14:creationId xmlns:p14="http://schemas.microsoft.com/office/powerpoint/2010/main" val="2089386139"/>
+      </p:ext>
+    </p:extLst>
+  </p:cSld>
+  <p:clrMapOvr>
+    <a:masterClrMapping/>
+  </p:clrMapOvr>
+</p:sld>
+</file>
+
+<file path=ppt/slides/slide6.xml><?xml version="1.0" encoding="utf-8"?>
+<p:sld xmlns:a="http://schemas.openxmlformats.org/drawingml/2006/main" xmlns:r="http://schemas.openxmlformats.org/officeDocument/2006/relationships" xmlns:p="http://schemas.openxmlformats.org/presentationml/2006/main">
+  <p:cSld>
+    <p:spTree>
+      <p:nvGrpSpPr>
+        <p:cNvPr id="1" name="Shape 108"/>
+        <p:cNvGrpSpPr/>
+        <p:nvPr/>
+      </p:nvGrpSpPr>
+      <p:grpSpPr>
+        <a:xfrm>
+          <a:off x="0" y="0"/>
+          <a:ext cx="0" cy="0"/>
+          <a:chOff x="0" y="0"/>
+          <a:chExt cx="0" cy="0"/>
+        </a:xfrm>
+      </p:grpSpPr>
+      <p:sp>
+        <p:nvSpPr>
+          <p:cNvPr id="109" name="Google Shape;109;p16"/>
+          <p:cNvSpPr txBox="1">
+            <a:spLocks noGrp="1"/>
+          </p:cNvSpPr>
+          <p:nvPr>
+            <p:ph type="title"/>
+          </p:nvPr>
+        </p:nvSpPr>
+        <p:spPr>
+          <a:xfrm>
+            <a:off x="404330" y="658442"/>
+            <a:ext cx="8229600" cy="551400"/>
+          </a:xfrm>
+          <a:prstGeom prst="rect">
+            <a:avLst/>
+          </a:prstGeom>
+        </p:spPr>
+        <p:txBody>
+          <a:bodyPr spcFirstLastPara="1" wrap="square" lIns="91425" tIns="91425" rIns="91425" bIns="91425" anchor="t" anchorCtr="0">
+            <a:noAutofit/>
+          </a:bodyPr>
+          <a:lstStyle/>
+          <a:p>
+            <a:pPr marL="0" lvl="0" indent="0" algn="l" rtl="0">
+              <a:spcBef>
+                <a:spcPts val="0"/>
+              </a:spcBef>
+              <a:spcAft>
+                <a:spcPts val="0"/>
+              </a:spcAft>
+              <a:buNone/>
+            </a:pPr>
+            <a:r>
+              <a:rPr lang="en-US" dirty="0"/>
+              <a:t>Move Function</a:t>
+            </a:r>
+            <a:endParaRPr dirty="0"/>
+          </a:p>
+        </p:txBody>
+      </p:sp>
+      <p:sp>
+        <p:nvSpPr>
+          <p:cNvPr id="111" name="Google Shape;111;p16"/>
+          <p:cNvSpPr txBox="1">
+            <a:spLocks noGrp="1"/>
+          </p:cNvSpPr>
+          <p:nvPr>
+            <p:ph type="sldNum" idx="12"/>
+          </p:nvPr>
+        </p:nvSpPr>
+        <p:spPr>
+          <a:xfrm>
+            <a:off x="8523157" y="6391956"/>
+            <a:ext cx="461100" cy="389100"/>
+          </a:xfrm>
+          <a:prstGeom prst="rect">
+            <a:avLst/>
+          </a:prstGeom>
+        </p:spPr>
+        <p:txBody>
+          <a:bodyPr spcFirstLastPara="1" wrap="square" lIns="91425" tIns="91425" rIns="91425" bIns="91425" anchor="t" anchorCtr="0">
+            <a:noAutofit/>
+          </a:bodyPr>
+          <a:lstStyle/>
+          <a:p>
+            <a:pPr marL="0" lvl="0" indent="0" algn="r" rtl="0">
+              <a:spcBef>
+                <a:spcPts val="0"/>
+              </a:spcBef>
+              <a:spcAft>
+                <a:spcPts val="0"/>
+              </a:spcAft>
+              <a:buNone/>
+            </a:pPr>
+            <a:fld id="{00000000-1234-1234-1234-123412341234}" type="slidenum">
+              <a:rPr lang="en"/>
+              <a:t>6</a:t>
+            </a:fld>
+            <a:endParaRPr/>
+          </a:p>
+        </p:txBody>
+      </p:sp>
+      <p:pic>
+        <p:nvPicPr>
+          <p:cNvPr id="2" name="Picture 1">
+            <a:extLst>
+              <a:ext uri="{FF2B5EF4-FFF2-40B4-BE49-F238E27FC236}">
+                <a16:creationId xmlns:a16="http://schemas.microsoft.com/office/drawing/2014/main" id="{F7D11F56-BF3C-4A79-AA8A-0C53BA98C4B0}"/>
+              </a:ext>
+            </a:extLst>
+          </p:cNvPr>
+          <p:cNvPicPr>
+            <a:picLocks noChangeAspect="1"/>
+          </p:cNvPicPr>
+          <p:nvPr/>
+        </p:nvPicPr>
+        <p:blipFill>
+          <a:blip r:embed="rId3"/>
+          <a:stretch>
+            <a:fillRect/>
+          </a:stretch>
+        </p:blipFill>
+        <p:spPr>
+          <a:xfrm>
+            <a:off x="2137662" y="2026945"/>
+            <a:ext cx="4868675" cy="2804110"/>
+          </a:xfrm>
+          <a:prstGeom prst="rect">
+            <a:avLst/>
+          </a:prstGeom>
+        </p:spPr>
+      </p:pic>
+    </p:spTree>
+    <p:extLst>
+      <p:ext uri="{BB962C8B-B14F-4D97-AF65-F5344CB8AC3E}">
+        <p14:creationId xmlns:p14="http://schemas.microsoft.com/office/powerpoint/2010/main" val="1386342577"/>
+      </p:ext>
+    </p:extLst>
+  </p:cSld>
+  <p:clrMapOvr>
+    <a:masterClrMapping/>
+  </p:clrMapOvr>
+</p:sld>
+</file>
+
+<file path=ppt/slides/slide7.xml><?xml version="1.0" encoding="utf-8"?>
+<p:sld xmlns:a="http://schemas.openxmlformats.org/drawingml/2006/main" xmlns:r="http://schemas.openxmlformats.org/officeDocument/2006/relationships" xmlns:p="http://schemas.openxmlformats.org/presentationml/2006/main">
+  <p:cSld>
+    <p:spTree>
+      <p:nvGrpSpPr>
+        <p:cNvPr id="1" name="Shape 108"/>
+        <p:cNvGrpSpPr/>
+        <p:nvPr/>
+      </p:nvGrpSpPr>
+      <p:grpSpPr>
+        <a:xfrm>
+          <a:off x="0" y="0"/>
+          <a:ext cx="0" cy="0"/>
+          <a:chOff x="0" y="0"/>
+          <a:chExt cx="0" cy="0"/>
+        </a:xfrm>
+      </p:grpSpPr>
+      <p:sp>
+        <p:nvSpPr>
+          <p:cNvPr id="109" name="Google Shape;109;p16"/>
+          <p:cNvSpPr txBox="1">
+            <a:spLocks noGrp="1"/>
+          </p:cNvSpPr>
+          <p:nvPr>
+            <p:ph type="title"/>
+          </p:nvPr>
+        </p:nvSpPr>
+        <p:spPr>
+          <a:xfrm>
+            <a:off x="404330" y="658442"/>
+            <a:ext cx="8229600" cy="551400"/>
+          </a:xfrm>
+          <a:prstGeom prst="rect">
+            <a:avLst/>
+          </a:prstGeom>
+        </p:spPr>
+        <p:txBody>
+          <a:bodyPr spcFirstLastPara="1" wrap="square" lIns="91425" tIns="91425" rIns="91425" bIns="91425" anchor="t" anchorCtr="0">
+            <a:noAutofit/>
+          </a:bodyPr>
+          <a:lstStyle/>
+          <a:p>
+            <a:pPr marL="0" lvl="0" indent="0" algn="l" rtl="0">
+              <a:spcBef>
+                <a:spcPts val="0"/>
+              </a:spcBef>
+              <a:spcAft>
+                <a:spcPts val="0"/>
+              </a:spcAft>
+              <a:buNone/>
+            </a:pPr>
+            <a:r>
+              <a:rPr lang="en-US" dirty="0"/>
+              <a:t>Fall Function</a:t>
+            </a:r>
+            <a:endParaRPr dirty="0"/>
+          </a:p>
+        </p:txBody>
+      </p:sp>
+      <p:sp>
+        <p:nvSpPr>
+          <p:cNvPr id="111" name="Google Shape;111;p16"/>
+          <p:cNvSpPr txBox="1">
+            <a:spLocks noGrp="1"/>
+          </p:cNvSpPr>
+          <p:nvPr>
+            <p:ph type="sldNum" idx="12"/>
+          </p:nvPr>
+        </p:nvSpPr>
+        <p:spPr>
+          <a:xfrm>
+            <a:off x="8523157" y="6391956"/>
+            <a:ext cx="461100" cy="389100"/>
+          </a:xfrm>
+          <a:prstGeom prst="rect">
+            <a:avLst/>
+          </a:prstGeom>
+        </p:spPr>
+        <p:txBody>
+          <a:bodyPr spcFirstLastPara="1" wrap="square" lIns="91425" tIns="91425" rIns="91425" bIns="91425" anchor="t" anchorCtr="0">
+            <a:noAutofit/>
+          </a:bodyPr>
+          <a:lstStyle/>
+          <a:p>
+            <a:pPr marL="0" lvl="0" indent="0" algn="r" rtl="0">
+              <a:spcBef>
+                <a:spcPts val="0"/>
+              </a:spcBef>
+              <a:spcAft>
+                <a:spcPts val="0"/>
+              </a:spcAft>
+              <a:buNone/>
+            </a:pPr>
+            <a:fld id="{00000000-1234-1234-1234-123412341234}" type="slidenum">
+              <a:rPr lang="en"/>
+              <a:t>7</a:t>
+            </a:fld>
+            <a:endParaRPr/>
+          </a:p>
+        </p:txBody>
+      </p:sp>
+      <p:pic>
+        <p:nvPicPr>
+          <p:cNvPr id="2" name="Picture 1">
+            <a:extLst>
+              <a:ext uri="{FF2B5EF4-FFF2-40B4-BE49-F238E27FC236}">
+                <a16:creationId xmlns:a16="http://schemas.microsoft.com/office/drawing/2014/main" id="{66A55F79-BFDD-44BF-95DE-0905C9A6FEB9}"/>
+              </a:ext>
+            </a:extLst>
+          </p:cNvPr>
+          <p:cNvPicPr>
+            <a:picLocks noChangeAspect="1"/>
+          </p:cNvPicPr>
+          <p:nvPr/>
+        </p:nvPicPr>
+        <p:blipFill>
+          <a:blip r:embed="rId3"/>
+          <a:stretch>
+            <a:fillRect/>
+          </a:stretch>
+        </p:blipFill>
+        <p:spPr>
+          <a:xfrm>
+            <a:off x="2114550" y="2076450"/>
+            <a:ext cx="4914900" cy="2705100"/>
+          </a:xfrm>
+          <a:prstGeom prst="rect">
+            <a:avLst/>
+          </a:prstGeom>
+        </p:spPr>
+      </p:pic>
+    </p:spTree>
+    <p:extLst>
+      <p:ext uri="{BB962C8B-B14F-4D97-AF65-F5344CB8AC3E}">
+        <p14:creationId xmlns:p14="http://schemas.microsoft.com/office/powerpoint/2010/main" val="2184462872"/>
+      </p:ext>
+    </p:extLst>
+  </p:cSld>
+  <p:clrMapOvr>
+    <a:masterClrMapping/>
+  </p:clrMapOvr>
+</p:sld>
+</file>
+
+<file path=ppt/slides/slide8.xml><?xml version="1.0" encoding="utf-8"?>
+<p:sld xmlns:a="http://schemas.openxmlformats.org/drawingml/2006/main" xmlns:r="http://schemas.openxmlformats.org/officeDocument/2006/relationships" xmlns:p="http://schemas.openxmlformats.org/presentationml/2006/main">
+  <p:cSld>
+    <p:spTree>
+      <p:nvGrpSpPr>
+        <p:cNvPr id="1" name="Shape 108"/>
+        <p:cNvGrpSpPr/>
+        <p:nvPr/>
+      </p:nvGrpSpPr>
+      <p:grpSpPr>
+        <a:xfrm>
+          <a:off x="0" y="0"/>
+          <a:ext cx="0" cy="0"/>
+          <a:chOff x="0" y="0"/>
+          <a:chExt cx="0" cy="0"/>
+        </a:xfrm>
+      </p:grpSpPr>
+      <p:sp>
+        <p:nvSpPr>
+          <p:cNvPr id="109" name="Google Shape;109;p16"/>
+          <p:cNvSpPr txBox="1">
+            <a:spLocks noGrp="1"/>
+          </p:cNvSpPr>
+          <p:nvPr>
+            <p:ph type="title"/>
+          </p:nvPr>
+        </p:nvSpPr>
+        <p:spPr>
+          <a:xfrm>
+            <a:off x="404330" y="658442"/>
+            <a:ext cx="8229600" cy="551400"/>
+          </a:xfrm>
+          <a:prstGeom prst="rect">
+            <a:avLst/>
+          </a:prstGeom>
+        </p:spPr>
+        <p:txBody>
+          <a:bodyPr spcFirstLastPara="1" wrap="square" lIns="91425" tIns="91425" rIns="91425" bIns="91425" anchor="t" anchorCtr="0">
+            <a:noAutofit/>
+          </a:bodyPr>
+          <a:lstStyle/>
+          <a:p>
+            <a:pPr marL="0" lvl="0" indent="0" algn="l" rtl="0">
+              <a:spcBef>
+                <a:spcPts val="0"/>
+              </a:spcBef>
+              <a:spcAft>
+                <a:spcPts val="0"/>
+              </a:spcAft>
+              <a:buNone/>
+            </a:pPr>
+            <a:r>
+              <a:rPr lang="en-US" dirty="0"/>
+              <a:t>Key Input</a:t>
+            </a:r>
+            <a:endParaRPr dirty="0"/>
+          </a:p>
+        </p:txBody>
+      </p:sp>
+      <p:sp>
+        <p:nvSpPr>
+          <p:cNvPr id="111" name="Google Shape;111;p16"/>
+          <p:cNvSpPr txBox="1">
+            <a:spLocks noGrp="1"/>
+          </p:cNvSpPr>
+          <p:nvPr>
+            <p:ph type="sldNum" idx="12"/>
+          </p:nvPr>
+        </p:nvSpPr>
+        <p:spPr>
+          <a:xfrm>
+            <a:off x="8523157" y="6391956"/>
+            <a:ext cx="461100" cy="389100"/>
+          </a:xfrm>
+          <a:prstGeom prst="rect">
+            <a:avLst/>
+          </a:prstGeom>
+        </p:spPr>
+        <p:txBody>
+          <a:bodyPr spcFirstLastPara="1" wrap="square" lIns="91425" tIns="91425" rIns="91425" bIns="91425" anchor="t" anchorCtr="0">
+            <a:noAutofit/>
+          </a:bodyPr>
+          <a:lstStyle/>
+          <a:p>
+            <a:pPr marL="0" lvl="0" indent="0" algn="r" rtl="0">
+              <a:spcBef>
+                <a:spcPts val="0"/>
+              </a:spcBef>
+              <a:spcAft>
+                <a:spcPts val="0"/>
+              </a:spcAft>
+              <a:buNone/>
+            </a:pPr>
+            <a:fld id="{00000000-1234-1234-1234-123412341234}" type="slidenum">
+              <a:rPr lang="en"/>
+              <a:t>8</a:t>
+            </a:fld>
+            <a:endParaRPr/>
+          </a:p>
+        </p:txBody>
+      </p:sp>
+      <p:pic>
+        <p:nvPicPr>
+          <p:cNvPr id="3" name="Picture 2">
+            <a:extLst>
+              <a:ext uri="{FF2B5EF4-FFF2-40B4-BE49-F238E27FC236}">
+                <a16:creationId xmlns:a16="http://schemas.microsoft.com/office/drawing/2014/main" id="{4C2F1F34-981A-4569-ACD8-37C347D44E8C}"/>
+              </a:ext>
+            </a:extLst>
+          </p:cNvPr>
+          <p:cNvPicPr>
+            <a:picLocks noChangeAspect="1"/>
+          </p:cNvPicPr>
+          <p:nvPr/>
+        </p:nvPicPr>
+        <p:blipFill>
+          <a:blip r:embed="rId3"/>
+          <a:stretch>
+            <a:fillRect/>
+          </a:stretch>
+        </p:blipFill>
+        <p:spPr>
+          <a:xfrm>
+            <a:off x="2611727" y="1684421"/>
+            <a:ext cx="3920546" cy="3489158"/>
+          </a:xfrm>
+          <a:prstGeom prst="rect">
+            <a:avLst/>
+          </a:prstGeom>
+        </p:spPr>
+      </p:pic>
+    </p:spTree>
+    <p:extLst>
+      <p:ext uri="{BB962C8B-B14F-4D97-AF65-F5344CB8AC3E}">
+        <p14:creationId xmlns:p14="http://schemas.microsoft.com/office/powerpoint/2010/main" val="3706090375"/>
+      </p:ext>
+    </p:extLst>
+  </p:cSld>
+  <p:clrMapOvr>
+    <a:masterClrMapping/>
+  </p:clrMapOvr>
+</p:sld>
+</file>
+
+<file path=ppt/slides/slide9.xml><?xml version="1.0" encoding="utf-8"?>
+<p:sld xmlns:a="http://schemas.openxmlformats.org/drawingml/2006/main" xmlns:r="http://schemas.openxmlformats.org/officeDocument/2006/relationships" xmlns:p="http://schemas.openxmlformats.org/presentationml/2006/main">
+  <p:cSld>
+    <p:spTree>
+      <p:nvGrpSpPr>
+        <p:cNvPr id="1" name="Shape 108"/>
+        <p:cNvGrpSpPr/>
+        <p:nvPr/>
+      </p:nvGrpSpPr>
+      <p:grpSpPr>
+        <a:xfrm>
+          <a:off x="0" y="0"/>
+          <a:ext cx="0" cy="0"/>
+          <a:chOff x="0" y="0"/>
+          <a:chExt cx="0" cy="0"/>
+        </a:xfrm>
+      </p:grpSpPr>
+      <p:sp>
+        <p:nvSpPr>
+          <p:cNvPr id="109" name="Google Shape;109;p16"/>
+          <p:cNvSpPr txBox="1">
+            <a:spLocks noGrp="1"/>
+          </p:cNvSpPr>
+          <p:nvPr>
+            <p:ph type="title"/>
+          </p:nvPr>
+        </p:nvSpPr>
+        <p:spPr>
+          <a:xfrm>
+            <a:off x="404330" y="658442"/>
+            <a:ext cx="8229600" cy="551400"/>
+          </a:xfrm>
+          <a:prstGeom prst="rect">
+            <a:avLst/>
+          </a:prstGeom>
+        </p:spPr>
+        <p:txBody>
+          <a:bodyPr spcFirstLastPara="1" wrap="square" lIns="91425" tIns="91425" rIns="91425" bIns="91425" anchor="t" anchorCtr="0">
+            <a:noAutofit/>
+          </a:bodyPr>
+          <a:lstStyle/>
+          <a:p>
+            <a:pPr marL="0" lvl="0" indent="0" algn="l" rtl="0">
+              <a:spcBef>
+                <a:spcPts val="0"/>
+              </a:spcBef>
+              <a:spcAft>
+                <a:spcPts val="0"/>
+              </a:spcAft>
+              <a:buNone/>
+            </a:pPr>
+            <a:r>
+              <a:rPr lang="en-US" dirty="0"/>
+              <a:t>Struggles</a:t>
+            </a:r>
+            <a:endParaRPr dirty="0"/>
+          </a:p>
+        </p:txBody>
+      </p:sp>
+      <p:sp>
+        <p:nvSpPr>
+          <p:cNvPr id="110" name="Google Shape;110;p16"/>
+          <p:cNvSpPr txBox="1">
+            <a:spLocks noGrp="1"/>
+          </p:cNvSpPr>
+          <p:nvPr>
+            <p:ph type="body" idx="1"/>
+          </p:nvPr>
+        </p:nvSpPr>
+        <p:spPr>
+          <a:xfrm>
+            <a:off x="343225" y="1500000"/>
+            <a:ext cx="8290800" cy="4851900"/>
+          </a:xfrm>
+          <a:prstGeom prst="rect">
+            <a:avLst/>
+          </a:prstGeom>
+        </p:spPr>
+        <p:txBody>
+          <a:bodyPr spcFirstLastPara="1" wrap="square" lIns="91425" tIns="91425" rIns="91425" bIns="91425" anchor="t" anchorCtr="0">
+            <a:noAutofit/>
+          </a:bodyPr>
+          <a:lstStyle/>
+          <a:p>
+            <a:r>
+              <a:rPr lang="en-US" dirty="0"/>
+              <a:t>Unprepared  </a:t>
+            </a:r>
+          </a:p>
+          <a:p>
+            <a:r>
+              <a:rPr lang="en-US" dirty="0"/>
+              <a:t>Time</a:t>
+            </a:r>
+          </a:p>
+          <a:p>
+            <a:r>
+              <a:rPr lang="en-US" dirty="0"/>
+              <a:t>SDL</a:t>
+            </a:r>
+          </a:p>
+          <a:p>
+            <a:endParaRPr lang="en-US" dirty="0"/>
+          </a:p>
+          <a:p>
+            <a:pPr marL="38100" lvl="0" indent="0" algn="l" rtl="0">
+              <a:spcBef>
+                <a:spcPts val="600"/>
+              </a:spcBef>
+              <a:spcAft>
+                <a:spcPts val="0"/>
+              </a:spcAft>
+              <a:buSzPts val="3000"/>
+              <a:buNone/>
             </a:pPr>
             <a:endParaRPr dirty="0"/>
           </a:p>
@@ -4297,932 +5361,18 @@
             </a:pPr>
             <a:fld id="{00000000-1234-1234-1234-123412341234}" type="slidenum">
               <a:rPr lang="en"/>
-              <a:t>2</a:t>
+              <a:t>9</a:t>
             </a:fld>
             <a:endParaRPr/>
           </a:p>
         </p:txBody>
       </p:sp>
     </p:spTree>
-  </p:cSld>
-  <p:clrMapOvr>
-    <a:masterClrMapping/>
-  </p:clrMapOvr>
-</p:sld>
-</file>
-
-<file path=ppt/slides/slide3.xml><?xml version="1.0" encoding="utf-8"?>
-<p:sld xmlns:a="http://schemas.openxmlformats.org/drawingml/2006/main" xmlns:r="http://schemas.openxmlformats.org/officeDocument/2006/relationships" xmlns:p="http://schemas.openxmlformats.org/presentationml/2006/main">
-  <p:cSld>
-    <p:spTree>
-      <p:nvGrpSpPr>
-        <p:cNvPr id="1" name="Shape 133"/>
-        <p:cNvGrpSpPr/>
-        <p:nvPr/>
-      </p:nvGrpSpPr>
-      <p:grpSpPr>
-        <a:xfrm>
-          <a:off x="0" y="0"/>
-          <a:ext cx="0" cy="0"/>
-          <a:chOff x="0" y="0"/>
-          <a:chExt cx="0" cy="0"/>
-        </a:xfrm>
-      </p:grpSpPr>
-      <p:sp>
-        <p:nvSpPr>
-          <p:cNvPr id="134" name="Google Shape;134;p18"/>
-          <p:cNvSpPr txBox="1">
-            <a:spLocks noGrp="1"/>
-          </p:cNvSpPr>
-          <p:nvPr>
-            <p:ph type="body" idx="1"/>
-          </p:nvPr>
-        </p:nvSpPr>
-        <p:spPr>
-          <a:xfrm>
-            <a:off x="420778" y="1653070"/>
-            <a:ext cx="3994500" cy="4967700"/>
-          </a:xfrm>
-          <a:prstGeom prst="rect">
-            <a:avLst/>
-          </a:prstGeom>
-        </p:spPr>
-        <p:txBody>
-          <a:bodyPr spcFirstLastPara="1" wrap="square" lIns="91425" tIns="91425" rIns="91425" bIns="91425" anchor="t" anchorCtr="0">
-            <a:noAutofit/>
-          </a:bodyPr>
-          <a:lstStyle/>
-          <a:p>
-            <a:pPr marL="0" lvl="0" indent="0" algn="l" rtl="0">
-              <a:spcBef>
-                <a:spcPts val="600"/>
-              </a:spcBef>
-              <a:spcAft>
-                <a:spcPts val="0"/>
-              </a:spcAft>
-              <a:buNone/>
-            </a:pPr>
-            <a:endParaRPr b="1" dirty="0"/>
-          </a:p>
-        </p:txBody>
-      </p:sp>
-      <p:sp>
-        <p:nvSpPr>
-          <p:cNvPr id="135" name="Google Shape;135;p18"/>
-          <p:cNvSpPr txBox="1">
-            <a:spLocks noGrp="1"/>
-          </p:cNvSpPr>
-          <p:nvPr>
-            <p:ph type="title"/>
-          </p:nvPr>
-        </p:nvSpPr>
-        <p:spPr>
-          <a:xfrm>
-            <a:off x="404330" y="658442"/>
-            <a:ext cx="8229600" cy="551400"/>
-          </a:xfrm>
-          <a:prstGeom prst="rect">
-            <a:avLst/>
-          </a:prstGeom>
-        </p:spPr>
-        <p:txBody>
-          <a:bodyPr spcFirstLastPara="1" wrap="square" lIns="91425" tIns="91425" rIns="91425" bIns="91425" anchor="t" anchorCtr="0">
-            <a:noAutofit/>
-          </a:bodyPr>
-          <a:lstStyle/>
-          <a:p>
-            <a:pPr marL="0" lvl="0" indent="0" algn="l" rtl="0">
-              <a:spcBef>
-                <a:spcPts val="0"/>
-              </a:spcBef>
-              <a:spcAft>
-                <a:spcPts val="0"/>
-              </a:spcAft>
-              <a:buNone/>
-            </a:pPr>
-            <a:endParaRPr dirty="0"/>
-          </a:p>
-        </p:txBody>
-      </p:sp>
-      <p:sp>
-        <p:nvSpPr>
-          <p:cNvPr id="136" name="Google Shape;136;p18"/>
-          <p:cNvSpPr txBox="1">
-            <a:spLocks noGrp="1"/>
-          </p:cNvSpPr>
-          <p:nvPr>
-            <p:ph type="body" idx="2"/>
-          </p:nvPr>
-        </p:nvSpPr>
-        <p:spPr>
-          <a:xfrm>
-            <a:off x="4731381" y="1653070"/>
-            <a:ext cx="3994500" cy="4967700"/>
-          </a:xfrm>
-          <a:prstGeom prst="rect">
-            <a:avLst/>
-          </a:prstGeom>
-        </p:spPr>
-        <p:txBody>
-          <a:bodyPr spcFirstLastPara="1" wrap="square" lIns="91425" tIns="91425" rIns="91425" bIns="91425" anchor="t" anchorCtr="0">
-            <a:noAutofit/>
-          </a:bodyPr>
-          <a:lstStyle/>
-          <a:p>
-            <a:pPr marL="0" lvl="0" indent="0" algn="l" rtl="0">
-              <a:spcBef>
-                <a:spcPts val="600"/>
-              </a:spcBef>
-              <a:spcAft>
-                <a:spcPts val="0"/>
-              </a:spcAft>
-              <a:buNone/>
-            </a:pPr>
-            <a:endParaRPr b="1" dirty="0"/>
-          </a:p>
-        </p:txBody>
-      </p:sp>
-      <p:sp>
-        <p:nvSpPr>
-          <p:cNvPr id="137" name="Google Shape;137;p18"/>
-          <p:cNvSpPr txBox="1">
-            <a:spLocks noGrp="1"/>
-          </p:cNvSpPr>
-          <p:nvPr>
-            <p:ph type="sldNum" idx="12"/>
-          </p:nvPr>
-        </p:nvSpPr>
-        <p:spPr>
-          <a:xfrm>
-            <a:off x="8523157" y="6391956"/>
-            <a:ext cx="461100" cy="389100"/>
-          </a:xfrm>
-          <a:prstGeom prst="rect">
-            <a:avLst/>
-          </a:prstGeom>
-        </p:spPr>
-        <p:txBody>
-          <a:bodyPr spcFirstLastPara="1" wrap="square" lIns="91425" tIns="91425" rIns="91425" bIns="91425" anchor="t" anchorCtr="0">
-            <a:noAutofit/>
-          </a:bodyPr>
-          <a:lstStyle/>
-          <a:p>
-            <a:pPr marL="0" lvl="0" indent="0" algn="r" rtl="0">
-              <a:spcBef>
-                <a:spcPts val="0"/>
-              </a:spcBef>
-              <a:spcAft>
-                <a:spcPts val="0"/>
-              </a:spcAft>
-              <a:buNone/>
-            </a:pPr>
-            <a:fld id="{00000000-1234-1234-1234-123412341234}" type="slidenum">
-              <a:rPr lang="en"/>
-              <a:t>3</a:t>
-            </a:fld>
-            <a:endParaRPr/>
-          </a:p>
-        </p:txBody>
-      </p:sp>
-    </p:spTree>
-  </p:cSld>
-  <p:clrMapOvr>
-    <a:masterClrMapping/>
-  </p:clrMapOvr>
-</p:sld>
-</file>
-
-<file path=ppt/slides/slide4.xml><?xml version="1.0" encoding="utf-8"?>
-<p:sld xmlns:a="http://schemas.openxmlformats.org/drawingml/2006/main" xmlns:r="http://schemas.openxmlformats.org/officeDocument/2006/relationships" xmlns:p="http://schemas.openxmlformats.org/presentationml/2006/main">
-  <p:cSld>
-    <p:spTree>
-      <p:nvGrpSpPr>
-        <p:cNvPr id="1" name="Shape 150"/>
-        <p:cNvGrpSpPr/>
-        <p:nvPr/>
-      </p:nvGrpSpPr>
-      <p:grpSpPr>
-        <a:xfrm>
-          <a:off x="0" y="0"/>
-          <a:ext cx="0" cy="0"/>
-          <a:chOff x="0" y="0"/>
-          <a:chExt cx="0" cy="0"/>
-        </a:xfrm>
-      </p:grpSpPr>
-      <p:sp>
-        <p:nvSpPr>
-          <p:cNvPr id="151" name="Google Shape;151;p20"/>
-          <p:cNvSpPr txBox="1">
-            <a:spLocks noGrp="1"/>
-          </p:cNvSpPr>
-          <p:nvPr>
-            <p:ph type="title"/>
-          </p:nvPr>
-        </p:nvSpPr>
-        <p:spPr>
-          <a:xfrm>
-            <a:off x="404330" y="658442"/>
-            <a:ext cx="8229600" cy="551400"/>
-          </a:xfrm>
-          <a:prstGeom prst="rect">
-            <a:avLst/>
-          </a:prstGeom>
-        </p:spPr>
-        <p:txBody>
-          <a:bodyPr spcFirstLastPara="1" wrap="square" lIns="91425" tIns="91425" rIns="91425" bIns="91425" anchor="t" anchorCtr="0">
-            <a:noAutofit/>
-          </a:bodyPr>
-          <a:lstStyle/>
-          <a:p>
-            <a:pPr marL="0" lvl="0" indent="0" algn="l" rtl="0">
-              <a:spcBef>
-                <a:spcPts val="0"/>
-              </a:spcBef>
-              <a:spcAft>
-                <a:spcPts val="0"/>
-              </a:spcAft>
-              <a:buNone/>
-            </a:pPr>
-            <a:endParaRPr dirty="0"/>
-          </a:p>
-        </p:txBody>
-      </p:sp>
-      <p:sp>
-        <p:nvSpPr>
-          <p:cNvPr id="152" name="Google Shape;152;p20"/>
-          <p:cNvSpPr txBox="1">
-            <a:spLocks noGrp="1"/>
-          </p:cNvSpPr>
-          <p:nvPr>
-            <p:ph type="body" idx="1"/>
-          </p:nvPr>
-        </p:nvSpPr>
-        <p:spPr>
-          <a:xfrm>
-            <a:off x="426350" y="1577050"/>
-            <a:ext cx="3924600" cy="4967700"/>
-          </a:xfrm>
-          <a:prstGeom prst="rect">
-            <a:avLst/>
-          </a:prstGeom>
-        </p:spPr>
-        <p:txBody>
-          <a:bodyPr spcFirstLastPara="1" wrap="square" lIns="91425" tIns="91425" rIns="91425" bIns="91425" anchor="t" anchorCtr="0">
-            <a:noAutofit/>
-          </a:bodyPr>
-          <a:lstStyle/>
-          <a:p>
-            <a:pPr marL="0" lvl="0" indent="0" algn="l" rtl="0">
-              <a:spcBef>
-                <a:spcPts val="600"/>
-              </a:spcBef>
-              <a:spcAft>
-                <a:spcPts val="0"/>
-              </a:spcAft>
-              <a:buNone/>
-            </a:pPr>
-            <a:endParaRPr sz="2400" dirty="0"/>
-          </a:p>
-        </p:txBody>
-      </p:sp>
-      <p:grpSp>
-        <p:nvGrpSpPr>
-          <p:cNvPr id="153" name="Google Shape;153;p20"/>
-          <p:cNvGrpSpPr/>
-          <p:nvPr/>
-        </p:nvGrpSpPr>
-        <p:grpSpPr>
-          <a:xfrm rot="5400000">
-            <a:off x="4976066" y="1581847"/>
-            <a:ext cx="3945636" cy="3790142"/>
-            <a:chOff x="5708850" y="3417450"/>
-            <a:chExt cx="2931161" cy="2815646"/>
-          </a:xfrm>
-        </p:grpSpPr>
-        <p:sp>
-          <p:nvSpPr>
-            <p:cNvPr id="154" name="Google Shape;154;p20"/>
-            <p:cNvSpPr/>
-            <p:nvPr/>
-          </p:nvSpPr>
-          <p:spPr>
-            <a:xfrm>
-              <a:off x="6102011" y="3942011"/>
-              <a:ext cx="2283300" cy="2283300"/>
-            </a:xfrm>
-            <a:prstGeom prst="rect">
-              <a:avLst/>
-            </a:prstGeom>
-            <a:noFill/>
-            <a:ln w="9525" cap="flat" cmpd="sng">
-              <a:solidFill>
-                <a:srgbClr val="FFFFFF"/>
-              </a:solidFill>
-              <a:prstDash val="dash"/>
-              <a:miter lim="8000"/>
-              <a:headEnd type="none" w="sm" len="sm"/>
-              <a:tailEnd type="none" w="sm" len="sm"/>
-            </a:ln>
-          </p:spPr>
-          <p:txBody>
-            <a:bodyPr spcFirstLastPara="1" wrap="square" lIns="91425" tIns="91425" rIns="91425" bIns="91425" anchor="ctr" anchorCtr="0">
-              <a:noAutofit/>
-            </a:bodyPr>
-            <a:lstStyle/>
-            <a:p>
-              <a:pPr marL="0" lvl="0" indent="0" algn="l" rtl="0">
-                <a:spcBef>
-                  <a:spcPts val="0"/>
-                </a:spcBef>
-                <a:spcAft>
-                  <a:spcPts val="0"/>
-                </a:spcAft>
-                <a:buNone/>
-              </a:pPr>
-              <a:endParaRPr/>
-            </a:p>
-          </p:txBody>
-        </p:sp>
-        <p:sp>
-          <p:nvSpPr>
-            <p:cNvPr id="155" name="Google Shape;155;p20"/>
-            <p:cNvSpPr/>
-            <p:nvPr/>
-          </p:nvSpPr>
-          <p:spPr>
-            <a:xfrm>
-              <a:off x="8516561" y="3942000"/>
-              <a:ext cx="123450" cy="2275725"/>
-            </a:xfrm>
-            <a:custGeom>
-              <a:avLst/>
-              <a:gdLst/>
-              <a:ahLst/>
-              <a:cxnLst/>
-              <a:rect l="l" t="t" r="r" b="b"/>
-              <a:pathLst>
-                <a:path w="4938" h="91029" extrusionOk="0">
-                  <a:moveTo>
-                    <a:pt x="0" y="0"/>
-                  </a:moveTo>
-                  <a:lnTo>
-                    <a:pt x="4938" y="0"/>
-                  </a:lnTo>
-                  <a:lnTo>
-                    <a:pt x="4938" y="91029"/>
-                  </a:lnTo>
-                  <a:lnTo>
-                    <a:pt x="0" y="91029"/>
-                  </a:lnTo>
-                </a:path>
-              </a:pathLst>
-            </a:custGeom>
-            <a:noFill/>
-            <a:ln w="9525" cap="flat" cmpd="sng">
-              <a:solidFill>
-                <a:srgbClr val="FFFFFF"/>
-              </a:solidFill>
-              <a:prstDash val="solid"/>
-              <a:miter lim="8000"/>
-              <a:headEnd type="none" w="med" len="med"/>
-              <a:tailEnd type="none" w="med" len="med"/>
-            </a:ln>
-          </p:spPr>
-        </p:sp>
-        <p:sp>
-          <p:nvSpPr>
-            <p:cNvPr id="156" name="Google Shape;156;p20"/>
-            <p:cNvSpPr/>
-            <p:nvPr/>
-          </p:nvSpPr>
-          <p:spPr>
-            <a:xfrm rot="-5400000">
-              <a:off x="7180125" y="2605525"/>
-              <a:ext cx="123450" cy="2275725"/>
-            </a:xfrm>
-            <a:custGeom>
-              <a:avLst/>
-              <a:gdLst/>
-              <a:ahLst/>
-              <a:cxnLst/>
-              <a:rect l="l" t="t" r="r" b="b"/>
-              <a:pathLst>
-                <a:path w="4938" h="91029" extrusionOk="0">
-                  <a:moveTo>
-                    <a:pt x="0" y="0"/>
-                  </a:moveTo>
-                  <a:lnTo>
-                    <a:pt x="4938" y="0"/>
-                  </a:lnTo>
-                  <a:lnTo>
-                    <a:pt x="4938" y="91029"/>
-                  </a:lnTo>
-                  <a:lnTo>
-                    <a:pt x="0" y="91029"/>
-                  </a:lnTo>
-                </a:path>
-              </a:pathLst>
-            </a:custGeom>
-            <a:noFill/>
-            <a:ln w="9525" cap="flat" cmpd="sng">
-              <a:solidFill>
-                <a:srgbClr val="FFFFFF"/>
-              </a:solidFill>
-              <a:prstDash val="solid"/>
-              <a:miter lim="8000"/>
-              <a:headEnd type="none" w="med" len="med"/>
-              <a:tailEnd type="none" w="med" len="med"/>
-            </a:ln>
-          </p:spPr>
-        </p:sp>
-        <p:sp>
-          <p:nvSpPr>
-            <p:cNvPr id="157" name="Google Shape;157;p20"/>
-            <p:cNvSpPr/>
-            <p:nvPr/>
-          </p:nvSpPr>
-          <p:spPr>
-            <a:xfrm rot="-5400000">
-              <a:off x="5708850" y="3417450"/>
-              <a:ext cx="1326900" cy="1326900"/>
-            </a:xfrm>
-            <a:prstGeom prst="arc">
-              <a:avLst>
-                <a:gd name="adj1" fmla="val 16200000"/>
-                <a:gd name="adj2" fmla="val 0"/>
-              </a:avLst>
-            </a:prstGeom>
-            <a:noFill/>
-            <a:ln w="9525" cap="flat" cmpd="sng">
-              <a:solidFill>
-                <a:srgbClr val="FFFFFF"/>
-              </a:solidFill>
-              <a:prstDash val="dash"/>
-              <a:round/>
-              <a:headEnd type="triangle" w="sm" len="sm"/>
-              <a:tailEnd type="triangle" w="sm" len="sm"/>
-            </a:ln>
-          </p:spPr>
-          <p:txBody>
-            <a:bodyPr spcFirstLastPara="1" wrap="square" lIns="91425" tIns="91425" rIns="91425" bIns="91425" anchor="ctr" anchorCtr="0">
-              <a:noAutofit/>
-            </a:bodyPr>
-            <a:lstStyle/>
-            <a:p>
-              <a:pPr marL="0" lvl="0" indent="0" algn="l" rtl="0">
-                <a:spcBef>
-                  <a:spcPts val="0"/>
-                </a:spcBef>
-                <a:spcAft>
-                  <a:spcPts val="0"/>
-                </a:spcAft>
-                <a:buNone/>
-              </a:pPr>
-              <a:endParaRPr/>
-            </a:p>
-          </p:txBody>
-        </p:sp>
-        <p:cxnSp>
-          <p:nvCxnSpPr>
-            <p:cNvPr id="158" name="Google Shape;158;p20"/>
-            <p:cNvCxnSpPr/>
-            <p:nvPr/>
-          </p:nvCxnSpPr>
-          <p:spPr>
-            <a:xfrm>
-              <a:off x="6109725" y="3957425"/>
-              <a:ext cx="2268000" cy="2268000"/>
-            </a:xfrm>
-            <a:prstGeom prst="straightConnector1">
-              <a:avLst/>
-            </a:prstGeom>
-            <a:noFill/>
-            <a:ln w="9525" cap="flat" cmpd="sng">
-              <a:solidFill>
-                <a:srgbClr val="FFFFFF"/>
-              </a:solidFill>
-              <a:prstDash val="dash"/>
-              <a:round/>
-              <a:headEnd type="none" w="med" len="med"/>
-              <a:tailEnd type="none" w="med" len="med"/>
-            </a:ln>
-          </p:spPr>
-        </p:cxnSp>
-        <p:cxnSp>
-          <p:nvCxnSpPr>
-            <p:cNvPr id="159" name="Google Shape;159;p20"/>
-            <p:cNvCxnSpPr/>
-            <p:nvPr/>
-          </p:nvCxnSpPr>
-          <p:spPr>
-            <a:xfrm flipH="1">
-              <a:off x="6102050" y="3941996"/>
-              <a:ext cx="2291100" cy="2291100"/>
-            </a:xfrm>
-            <a:prstGeom prst="straightConnector1">
-              <a:avLst/>
-            </a:prstGeom>
-            <a:noFill/>
-            <a:ln w="9525" cap="flat" cmpd="sng">
-              <a:solidFill>
-                <a:srgbClr val="FFFFFF"/>
-              </a:solidFill>
-              <a:prstDash val="dash"/>
-              <a:round/>
-              <a:headEnd type="none" w="med" len="med"/>
-              <a:tailEnd type="none" w="med" len="med"/>
-            </a:ln>
-          </p:spPr>
-        </p:cxnSp>
-        <p:cxnSp>
-          <p:nvCxnSpPr>
-            <p:cNvPr id="160" name="Google Shape;160;p20"/>
-            <p:cNvCxnSpPr/>
-            <p:nvPr/>
-          </p:nvCxnSpPr>
-          <p:spPr>
-            <a:xfrm>
-              <a:off x="5978575" y="3949725"/>
-              <a:ext cx="0" cy="2283300"/>
-            </a:xfrm>
-            <a:prstGeom prst="straightConnector1">
-              <a:avLst/>
-            </a:prstGeom>
-            <a:noFill/>
-            <a:ln w="9525" cap="flat" cmpd="sng">
-              <a:solidFill>
-                <a:srgbClr val="FFFFFF"/>
-              </a:solidFill>
-              <a:prstDash val="solid"/>
-              <a:round/>
-              <a:headEnd type="triangle" w="sm" len="sm"/>
-              <a:tailEnd type="triangle" w="sm" len="sm"/>
-            </a:ln>
-          </p:spPr>
-        </p:cxnSp>
-      </p:grpSp>
-      <p:sp>
-        <p:nvSpPr>
-          <p:cNvPr id="162" name="Google Shape;162;p20"/>
-          <p:cNvSpPr txBox="1">
-            <a:spLocks noGrp="1"/>
-          </p:cNvSpPr>
-          <p:nvPr>
-            <p:ph type="sldNum" idx="12"/>
-          </p:nvPr>
-        </p:nvSpPr>
-        <p:spPr>
-          <a:xfrm>
-            <a:off x="8523157" y="6391956"/>
-            <a:ext cx="461100" cy="389100"/>
-          </a:xfrm>
-          <a:prstGeom prst="rect">
-            <a:avLst/>
-          </a:prstGeom>
-        </p:spPr>
-        <p:txBody>
-          <a:bodyPr spcFirstLastPara="1" wrap="square" lIns="91425" tIns="91425" rIns="91425" bIns="91425" anchor="t" anchorCtr="0">
-            <a:noAutofit/>
-          </a:bodyPr>
-          <a:lstStyle/>
-          <a:p>
-            <a:pPr marL="0" lvl="0" indent="0" algn="r" rtl="0">
-              <a:spcBef>
-                <a:spcPts val="0"/>
-              </a:spcBef>
-              <a:spcAft>
-                <a:spcPts val="0"/>
-              </a:spcAft>
-              <a:buNone/>
-            </a:pPr>
-            <a:fld id="{00000000-1234-1234-1234-123412341234}" type="slidenum">
-              <a:rPr lang="en"/>
-              <a:t>4</a:t>
-            </a:fld>
-            <a:endParaRPr/>
-          </a:p>
-        </p:txBody>
-      </p:sp>
-    </p:spTree>
-  </p:cSld>
-  <p:clrMapOvr>
-    <a:masterClrMapping/>
-  </p:clrMapOvr>
-</p:sld>
-</file>
-
-<file path=ppt/slides/slide5.xml><?xml version="1.0" encoding="utf-8"?>
-<p:sld xmlns:a="http://schemas.openxmlformats.org/drawingml/2006/main" xmlns:r="http://schemas.openxmlformats.org/officeDocument/2006/relationships" xmlns:p="http://schemas.openxmlformats.org/presentationml/2006/main">
-  <p:cSld>
-    <p:spTree>
-      <p:nvGrpSpPr>
-        <p:cNvPr id="1" name="Shape 256"/>
-        <p:cNvGrpSpPr/>
-        <p:nvPr/>
-      </p:nvGrpSpPr>
-      <p:grpSpPr>
-        <a:xfrm>
-          <a:off x="0" y="0"/>
-          <a:ext cx="0" cy="0"/>
-          <a:chOff x="0" y="0"/>
-          <a:chExt cx="0" cy="0"/>
-        </a:xfrm>
-      </p:grpSpPr>
-      <p:sp>
-        <p:nvSpPr>
-          <p:cNvPr id="257" name="Google Shape;257;p27"/>
-          <p:cNvSpPr txBox="1">
-            <a:spLocks noGrp="1"/>
-          </p:cNvSpPr>
-          <p:nvPr>
-            <p:ph type="title"/>
-          </p:nvPr>
-        </p:nvSpPr>
-        <p:spPr>
-          <a:xfrm>
-            <a:off x="404330" y="658442"/>
-            <a:ext cx="8229600" cy="551400"/>
-          </a:xfrm>
-          <a:prstGeom prst="rect">
-            <a:avLst/>
-          </a:prstGeom>
-        </p:spPr>
-        <p:txBody>
-          <a:bodyPr spcFirstLastPara="1" wrap="square" lIns="91425" tIns="91425" rIns="91425" bIns="91425" anchor="t" anchorCtr="0">
-            <a:noAutofit/>
-          </a:bodyPr>
-          <a:lstStyle/>
-          <a:p>
-            <a:pPr marL="0" lvl="0" indent="0" algn="l" rtl="0">
-              <a:spcBef>
-                <a:spcPts val="0"/>
-              </a:spcBef>
-              <a:spcAft>
-                <a:spcPts val="0"/>
-              </a:spcAft>
-              <a:buNone/>
-            </a:pPr>
-            <a:endParaRPr dirty="0"/>
-          </a:p>
-        </p:txBody>
-      </p:sp>
-      <p:sp>
-        <p:nvSpPr>
-          <p:cNvPr id="258" name="Google Shape;258;p27"/>
-          <p:cNvSpPr txBox="1"/>
-          <p:nvPr/>
-        </p:nvSpPr>
-        <p:spPr>
-          <a:xfrm>
-            <a:off x="2699550" y="3570850"/>
-            <a:ext cx="3744900" cy="778200"/>
-          </a:xfrm>
-          <a:prstGeom prst="rect">
-            <a:avLst/>
-          </a:prstGeom>
-          <a:noFill/>
-          <a:ln w="19050" cap="rnd" cmpd="sng">
-            <a:solidFill>
-              <a:srgbClr val="FFFFFF"/>
-            </a:solidFill>
-            <a:prstDash val="lgDash"/>
-            <a:round/>
-            <a:headEnd type="none" w="sm" len="sm"/>
-            <a:tailEnd type="none" w="sm" len="sm"/>
-          </a:ln>
-        </p:spPr>
-        <p:txBody>
-          <a:bodyPr spcFirstLastPara="1" wrap="square" lIns="91425" tIns="91425" rIns="91425" bIns="91425" anchor="ctr" anchorCtr="0">
-            <a:noAutofit/>
-          </a:bodyPr>
-          <a:lstStyle/>
-          <a:p>
-            <a:pPr marL="0" lvl="0" indent="0" algn="ctr" rtl="0">
-              <a:spcBef>
-                <a:spcPts val="0"/>
-              </a:spcBef>
-              <a:spcAft>
-                <a:spcPts val="0"/>
-              </a:spcAft>
-              <a:buNone/>
-            </a:pPr>
-            <a:endParaRPr sz="2400" dirty="0">
-              <a:solidFill>
-                <a:srgbClr val="FFFFFF"/>
-              </a:solidFill>
-              <a:latin typeface="Cousine"/>
-              <a:ea typeface="Cousine"/>
-              <a:cs typeface="Cousine"/>
-              <a:sym typeface="Cousine"/>
-            </a:endParaRPr>
-          </a:p>
-        </p:txBody>
-      </p:sp>
-      <p:sp>
-        <p:nvSpPr>
-          <p:cNvPr id="259" name="Google Shape;259;p27"/>
-          <p:cNvSpPr txBox="1"/>
-          <p:nvPr/>
-        </p:nvSpPr>
-        <p:spPr>
-          <a:xfrm>
-            <a:off x="2699550" y="5437750"/>
-            <a:ext cx="3744900" cy="778200"/>
-          </a:xfrm>
-          <a:prstGeom prst="rect">
-            <a:avLst/>
-          </a:prstGeom>
-          <a:noFill/>
-          <a:ln w="19050" cap="rnd" cmpd="sng">
-            <a:solidFill>
-              <a:srgbClr val="FFFFFF"/>
-            </a:solidFill>
-            <a:prstDash val="solid"/>
-            <a:round/>
-            <a:headEnd type="none" w="sm" len="sm"/>
-            <a:tailEnd type="none" w="sm" len="sm"/>
-          </a:ln>
-        </p:spPr>
-        <p:txBody>
-          <a:bodyPr spcFirstLastPara="1" wrap="square" lIns="91425" tIns="91425" rIns="91425" bIns="91425" anchor="ctr" anchorCtr="0">
-            <a:noAutofit/>
-          </a:bodyPr>
-          <a:lstStyle/>
-          <a:p>
-            <a:pPr marL="0" lvl="0" indent="0" algn="ctr" rtl="0">
-              <a:spcBef>
-                <a:spcPts val="0"/>
-              </a:spcBef>
-              <a:spcAft>
-                <a:spcPts val="0"/>
-              </a:spcAft>
-              <a:buNone/>
-            </a:pPr>
-            <a:endParaRPr sz="2400" dirty="0">
-              <a:solidFill>
-                <a:srgbClr val="FFFFFF"/>
-              </a:solidFill>
-              <a:latin typeface="Cousine"/>
-              <a:ea typeface="Cousine"/>
-              <a:cs typeface="Cousine"/>
-              <a:sym typeface="Cousine"/>
-            </a:endParaRPr>
-          </a:p>
-        </p:txBody>
-      </p:sp>
-      <p:cxnSp>
-        <p:nvCxnSpPr>
-          <p:cNvPr id="260" name="Google Shape;260;p27"/>
-          <p:cNvCxnSpPr>
-            <a:stCxn id="261" idx="2"/>
-            <a:endCxn id="258" idx="0"/>
-          </p:cNvCxnSpPr>
-          <p:nvPr/>
-        </p:nvCxnSpPr>
-        <p:spPr>
-          <a:xfrm>
-            <a:off x="4572000" y="2482150"/>
-            <a:ext cx="0" cy="1088700"/>
-          </a:xfrm>
-          <a:prstGeom prst="straightConnector1">
-            <a:avLst/>
-          </a:prstGeom>
-          <a:noFill/>
-          <a:ln w="9525" cap="rnd" cmpd="sng">
-            <a:solidFill>
-              <a:srgbClr val="FFFFFF"/>
-            </a:solidFill>
-            <a:prstDash val="solid"/>
-            <a:round/>
-            <a:headEnd type="oval" w="lg" len="lg"/>
-            <a:tailEnd type="triangle" w="lg" len="lg"/>
-          </a:ln>
-        </p:spPr>
-      </p:cxnSp>
-      <p:cxnSp>
-        <p:nvCxnSpPr>
-          <p:cNvPr id="262" name="Google Shape;262;p27"/>
-          <p:cNvCxnSpPr>
-            <a:stCxn id="258" idx="2"/>
-            <a:endCxn id="259" idx="0"/>
-          </p:cNvCxnSpPr>
-          <p:nvPr/>
-        </p:nvCxnSpPr>
-        <p:spPr>
-          <a:xfrm>
-            <a:off x="4572000" y="4349050"/>
-            <a:ext cx="0" cy="1088700"/>
-          </a:xfrm>
-          <a:prstGeom prst="straightConnector1">
-            <a:avLst/>
-          </a:prstGeom>
-          <a:noFill/>
-          <a:ln w="9525" cap="rnd" cmpd="sng">
-            <a:solidFill>
-              <a:srgbClr val="FFFFFF"/>
-            </a:solidFill>
-            <a:prstDash val="solid"/>
-            <a:round/>
-            <a:headEnd type="oval" w="lg" len="lg"/>
-            <a:tailEnd type="triangle" w="lg" len="lg"/>
-          </a:ln>
-        </p:spPr>
-      </p:cxnSp>
-      <p:sp>
-        <p:nvSpPr>
-          <p:cNvPr id="261" name="Google Shape;261;p27"/>
-          <p:cNvSpPr txBox="1"/>
-          <p:nvPr/>
-        </p:nvSpPr>
-        <p:spPr>
-          <a:xfrm>
-            <a:off x="2699550" y="1703950"/>
-            <a:ext cx="3744900" cy="778200"/>
-          </a:xfrm>
-          <a:prstGeom prst="rect">
-            <a:avLst/>
-          </a:prstGeom>
-          <a:noFill/>
-          <a:ln w="19050" cap="rnd" cmpd="sng">
-            <a:solidFill>
-              <a:srgbClr val="FFFFFF"/>
-            </a:solidFill>
-            <a:prstDash val="dash"/>
-            <a:round/>
-            <a:headEnd type="none" w="sm" len="sm"/>
-            <a:tailEnd type="none" w="sm" len="sm"/>
-          </a:ln>
-        </p:spPr>
-        <p:txBody>
-          <a:bodyPr spcFirstLastPara="1" wrap="square" lIns="91425" tIns="91425" rIns="91425" bIns="91425" anchor="ctr" anchorCtr="0">
-            <a:noAutofit/>
-          </a:bodyPr>
-          <a:lstStyle/>
-          <a:p>
-            <a:pPr marL="0" lvl="0" indent="0" algn="ctr" rtl="0">
-              <a:spcBef>
-                <a:spcPts val="0"/>
-              </a:spcBef>
-              <a:spcAft>
-                <a:spcPts val="0"/>
-              </a:spcAft>
-              <a:buNone/>
-            </a:pPr>
-            <a:endParaRPr sz="2400" dirty="0">
-              <a:solidFill>
-                <a:srgbClr val="FFFFFF"/>
-              </a:solidFill>
-              <a:latin typeface="Cousine"/>
-              <a:ea typeface="Cousine"/>
-              <a:cs typeface="Cousine"/>
-              <a:sym typeface="Cousine"/>
-            </a:endParaRPr>
-          </a:p>
-        </p:txBody>
-      </p:sp>
-      <p:sp>
-        <p:nvSpPr>
-          <p:cNvPr id="263" name="Google Shape;263;p27"/>
-          <p:cNvSpPr txBox="1">
-            <a:spLocks noGrp="1"/>
-          </p:cNvSpPr>
-          <p:nvPr>
-            <p:ph type="sldNum" idx="12"/>
-          </p:nvPr>
-        </p:nvSpPr>
-        <p:spPr>
-          <a:xfrm>
-            <a:off x="8523157" y="6391956"/>
-            <a:ext cx="461100" cy="389100"/>
-          </a:xfrm>
-          <a:prstGeom prst="rect">
-            <a:avLst/>
-          </a:prstGeom>
-        </p:spPr>
-        <p:txBody>
-          <a:bodyPr spcFirstLastPara="1" wrap="square" lIns="91425" tIns="91425" rIns="91425" bIns="91425" anchor="t" anchorCtr="0">
-            <a:noAutofit/>
-          </a:bodyPr>
-          <a:lstStyle/>
-          <a:p>
-            <a:pPr marL="0" lvl="0" indent="0" algn="r" rtl="0">
-              <a:spcBef>
-                <a:spcPts val="0"/>
-              </a:spcBef>
-              <a:spcAft>
-                <a:spcPts val="0"/>
-              </a:spcAft>
-              <a:buNone/>
-            </a:pPr>
-            <a:fld id="{00000000-1234-1234-1234-123412341234}" type="slidenum">
-              <a:rPr lang="en"/>
-              <a:t>5</a:t>
-            </a:fld>
-            <a:endParaRPr/>
-          </a:p>
-        </p:txBody>
-      </p:sp>
-    </p:spTree>
+    <p:extLst>
+      <p:ext uri="{BB962C8B-B14F-4D97-AF65-F5344CB8AC3E}">
+        <p14:creationId xmlns:p14="http://schemas.microsoft.com/office/powerpoint/2010/main" val="2782209605"/>
+      </p:ext>
+    </p:extLst>
   </p:cSld>
   <p:clrMapOvr>
     <a:masterClrMapping/>
